--- a/MIDTERM.pptx
+++ b/MIDTERM.pptx
@@ -16551,7 +16551,7 @@
           <a:p>
             <a:fld id="{7A4C169A-1220-4B42-953D-8968223BCA9D}" type="datetimeFigureOut">
               <a:rPr lang="fr-CH" smtClean="0"/>
-              <a:t>27.10.2018</a:t>
+              <a:t>29.10.2018</a:t>
             </a:fld>
             <a:endParaRPr lang="fr-CH"/>
           </a:p>
@@ -16732,7 +16732,7 @@
           <a:p>
             <a:fld id="{4777CC44-3BA5-E143-B780-7AA02CFEA3D2}" type="datetimeFigureOut">
               <a:rPr lang="fr-FR" smtClean="0"/>
-              <a:t>27/10/2018</a:t>
+              <a:t>29/10/2018</a:t>
             </a:fld>
             <a:endParaRPr lang="fr-FR"/>
           </a:p>
@@ -20221,7 +20221,7 @@
           <a:p>
             <a:fld id="{19338AA8-AB00-47F6-A52E-C02B380056E0}" type="datetime1">
               <a:rPr lang="fr-CH" smtClean="0"/>
-              <a:t>27.10.2018</a:t>
+              <a:t>29.10.2018</a:t>
             </a:fld>
             <a:endParaRPr lang="fr-CH"/>
           </a:p>
@@ -20394,7 +20394,7 @@
           <a:p>
             <a:fld id="{D43335B8-C336-4CA9-A908-7EF5938D9A90}" type="datetime1">
               <a:rPr lang="fr-CH" smtClean="0"/>
-              <a:t>27.10.2018</a:t>
+              <a:t>29.10.2018</a:t>
             </a:fld>
             <a:endParaRPr lang="fr-CH"/>
           </a:p>
@@ -20577,7 +20577,7 @@
           <a:p>
             <a:fld id="{E9F5A68A-FEC5-4141-851D-D49EC4A60C9A}" type="datetime1">
               <a:rPr lang="fr-CH" smtClean="0"/>
-              <a:t>27.10.2018</a:t>
+              <a:t>29.10.2018</a:t>
             </a:fld>
             <a:endParaRPr lang="fr-CH"/>
           </a:p>
@@ -20867,7 +20867,7 @@
           <a:p>
             <a:fld id="{ABFC9C46-D19E-49E5-8B8E-0F695CD54D36}" type="datetime1">
               <a:rPr lang="fr-CH" smtClean="0"/>
-              <a:t>27.10.2018</a:t>
+              <a:t>29.10.2018</a:t>
             </a:fld>
             <a:endParaRPr lang="fr-CH"/>
           </a:p>
@@ -21083,7 +21083,7 @@
           <a:p>
             <a:fld id="{ECE915BF-2EBA-40DA-ACA2-BAC9FEC6D45F}" type="datetime1">
               <a:rPr lang="fr-CH" smtClean="0"/>
-              <a:t>27.10.2018</a:t>
+              <a:t>29.10.2018</a:t>
             </a:fld>
             <a:endParaRPr lang="fr-CH"/>
           </a:p>
@@ -21429,7 +21429,7 @@
           <a:p>
             <a:fld id="{B2D84D36-6867-4F5B-BB5D-B0D445DDF8BD}" type="datetime1">
               <a:rPr lang="fr-CH" smtClean="0"/>
-              <a:t>27.10.2018</a:t>
+              <a:t>29.10.2018</a:t>
             </a:fld>
             <a:endParaRPr lang="fr-CH"/>
           </a:p>
@@ -21707,7 +21707,7 @@
           <a:p>
             <a:fld id="{B7D984B7-4139-41A1-9E72-D2C1ED32CB64}" type="datetime1">
               <a:rPr lang="fr-CH" smtClean="0"/>
-              <a:t>27.10.2018</a:t>
+              <a:t>29.10.2018</a:t>
             </a:fld>
             <a:endParaRPr lang="fr-CH"/>
           </a:p>
@@ -22094,7 +22094,7 @@
           <a:p>
             <a:fld id="{EED9AB75-468F-4F56-B100-B8CDEFB06ACD}" type="datetime1">
               <a:rPr lang="fr-CH" smtClean="0"/>
-              <a:t>27.10.2018</a:t>
+              <a:t>29.10.2018</a:t>
             </a:fld>
             <a:endParaRPr lang="fr-CH"/>
           </a:p>
@@ -22220,7 +22220,7 @@
           <a:p>
             <a:fld id="{863148C7-4AD7-42B4-8B0D-598027C721E9}" type="datetime1">
               <a:rPr lang="fr-CH" smtClean="0"/>
-              <a:t>27.10.2018</a:t>
+              <a:t>29.10.2018</a:t>
             </a:fld>
             <a:endParaRPr lang="fr-CH"/>
           </a:p>
@@ -22394,7 +22394,7 @@
           <a:p>
             <a:fld id="{EAE80EEB-C91E-4758-97FD-15EA38C590EF}" type="datetime1">
               <a:rPr lang="fr-CH" smtClean="0"/>
-              <a:t>27.10.2018</a:t>
+              <a:t>29.10.2018</a:t>
             </a:fld>
             <a:endParaRPr lang="fr-CH"/>
           </a:p>
@@ -22756,7 +22756,7 @@
           <a:p>
             <a:fld id="{E920EC88-CD5B-4B39-BDD8-88ECAABA00A7}" type="datetime1">
               <a:rPr lang="fr-CH" smtClean="0"/>
-              <a:t>27.10.2018</a:t>
+              <a:t>29.10.2018</a:t>
             </a:fld>
             <a:endParaRPr lang="fr-CH"/>
           </a:p>
@@ -22955,7 +22955,7 @@
           <a:p>
             <a:fld id="{2C5CE6D8-56FE-4D39-818C-789E032FD7AA}" type="datetime1">
               <a:rPr lang="fr-CH" smtClean="0"/>
-              <a:t>27.10.2018</a:t>
+              <a:t>29.10.2018</a:t>
             </a:fld>
             <a:endParaRPr lang="fr-CH"/>
           </a:p>
@@ -23314,7 +23314,7 @@
           <a:p>
             <a:fld id="{565683B9-504B-4A2E-9163-4465CD15713D}" type="datetime1">
               <a:rPr lang="fr-CH" smtClean="0"/>
-              <a:t>27.10.2018</a:t>
+              <a:t>29.10.2018</a:t>
             </a:fld>
             <a:endParaRPr lang="fr-CH"/>
           </a:p>
@@ -23487,7 +23487,7 @@
           <a:p>
             <a:fld id="{2BDC39BC-7B21-4CC6-B18E-B4312F709F5C}" type="datetime1">
               <a:rPr lang="fr-CH" smtClean="0"/>
-              <a:t>27.10.2018</a:t>
+              <a:t>29.10.2018</a:t>
             </a:fld>
             <a:endParaRPr lang="fr-CH"/>
           </a:p>
@@ -23746,7 +23746,7 @@
           <a:p>
             <a:fld id="{D3BBBA8E-B6E0-458F-A7BE-805B2A73F184}" type="datetime1">
               <a:rPr lang="fr-CH" smtClean="0"/>
-              <a:t>27.10.2018</a:t>
+              <a:t>29.10.2018</a:t>
             </a:fld>
             <a:endParaRPr lang="fr-CH"/>
           </a:p>
@@ -24000,7 +24000,7 @@
           <a:p>
             <a:fld id="{47546A20-D025-4B4F-BA62-48072654D13F}" type="datetime1">
               <a:rPr lang="fr-CH" smtClean="0"/>
-              <a:t>27.10.2018</a:t>
+              <a:t>29.10.2018</a:t>
             </a:fld>
             <a:endParaRPr lang="fr-CH"/>
           </a:p>
@@ -24235,7 +24235,7 @@
           <a:p>
             <a:fld id="{50D571F2-AAC6-456F-A5C1-0608A74F1AD6}" type="datetime1">
               <a:rPr lang="fr-CH" smtClean="0"/>
-              <a:t>27.10.2018</a:t>
+              <a:t>29.10.2018</a:t>
             </a:fld>
             <a:endParaRPr lang="fr-CH"/>
           </a:p>
@@ -24585,7 +24585,7 @@
           <a:p>
             <a:fld id="{358F3861-5E9E-4334-B9B9-957EDCADE37B}" type="datetime1">
               <a:rPr lang="fr-CH" smtClean="0"/>
-              <a:t>27.10.2018</a:t>
+              <a:t>29.10.2018</a:t>
             </a:fld>
             <a:endParaRPr lang="fr-CH"/>
           </a:p>
@@ -24706,7 +24706,7 @@
           <a:p>
             <a:fld id="{69E5D8CB-CDF8-4CA5-95E8-98509A6021AD}" type="datetime1">
               <a:rPr lang="fr-CH" smtClean="0"/>
-              <a:t>27.10.2018</a:t>
+              <a:t>29.10.2018</a:t>
             </a:fld>
             <a:endParaRPr lang="fr-CH"/>
           </a:p>
@@ -24827,7 +24827,7 @@
           <a:p>
             <a:fld id="{A2912718-0DE0-4AB4-9B81-3D2CAC5826B2}" type="datetime1">
               <a:rPr lang="fr-CH" smtClean="0"/>
-              <a:t>27.10.2018</a:t>
+              <a:t>29.10.2018</a:t>
             </a:fld>
             <a:endParaRPr lang="fr-CH"/>
           </a:p>
@@ -25114,7 +25114,7 @@
           <a:p>
             <a:fld id="{9600091B-D431-4E8B-B88F-8FCEC22C29AD}" type="datetime1">
               <a:rPr lang="fr-CH" smtClean="0"/>
-              <a:t>27.10.2018</a:t>
+              <a:t>29.10.2018</a:t>
             </a:fld>
             <a:endParaRPr lang="fr-CH"/>
           </a:p>
@@ -25381,7 +25381,7 @@
           <a:p>
             <a:fld id="{05E7242E-0C8F-4FC5-AC59-EE029740C7FF}" type="datetime1">
               <a:rPr lang="fr-CH" smtClean="0"/>
-              <a:t>27.10.2018</a:t>
+              <a:t>29.10.2018</a:t>
             </a:fld>
             <a:endParaRPr lang="fr-CH"/>
           </a:p>
@@ -25598,7 +25598,7 @@
           <a:p>
             <a:fld id="{65A64017-90F2-4A9A-A326-5496BE4062DB}" type="datetime1">
               <a:rPr lang="fr-CH" smtClean="0"/>
-              <a:t>27.10.2018</a:t>
+              <a:t>29.10.2018</a:t>
             </a:fld>
             <a:endParaRPr lang="fr-CH"/>
           </a:p>
@@ -26205,7 +26205,7 @@
           <a:p>
             <a:fld id="{FF2BCF66-79A0-45F1-9F59-486442163168}" type="datetime1">
               <a:rPr lang="fr-CH" smtClean="0"/>
-              <a:t>27.10.2018</a:t>
+              <a:t>29.10.2018</a:t>
             </a:fld>
             <a:endParaRPr lang="fr-CH"/>
           </a:p>
@@ -27335,34 +27335,6 @@
       </p:grpSpPr>
       <p:sp>
         <p:nvSpPr>
-          <p:cNvPr id="4" name="Footer Placeholder 3">
-            <a:extLst>
-              <a:ext uri="{FF2B5EF4-FFF2-40B4-BE49-F238E27FC236}">
-                <a16:creationId xmlns:a16="http://schemas.microsoft.com/office/drawing/2014/main" id="{3A72F2D6-3524-46D3-B419-AA669C534138}"/>
-              </a:ext>
-            </a:extLst>
-          </p:cNvPr>
-          <p:cNvSpPr>
-            <a:spLocks noGrp="1"/>
-          </p:cNvSpPr>
-          <p:nvPr>
-            <p:ph type="ftr" sz="quarter" idx="11"/>
-          </p:nvPr>
-        </p:nvSpPr>
-        <p:spPr/>
-        <p:txBody>
-          <a:bodyPr/>
-          <a:lstStyle/>
-          <a:p>
-            <a:r>
-              <a:rPr lang="fr-CH"/>
-              <a:t>EPFL-STI-LMAM | 04.04.2018</a:t>
-            </a:r>
-          </a:p>
-        </p:txBody>
-      </p:sp>
-      <p:sp>
-        <p:nvSpPr>
           <p:cNvPr id="5" name="Slide Number Placeholder 4">
             <a:extLst>
               <a:ext uri="{FF2B5EF4-FFF2-40B4-BE49-F238E27FC236}">
@@ -27457,7 +27429,7 @@
         <p:spPr>
           <a:xfrm>
             <a:off x="1097280" y="2044160"/>
-            <a:ext cx="8534400" cy="1512209"/>
+            <a:ext cx="8534400" cy="2028248"/>
           </a:xfrm>
           <a:prstGeom prst="rect">
             <a:avLst/>
@@ -27532,8 +27504,27 @@
                 <a:ea typeface="Calibri Light" charset="0"/>
                 <a:cs typeface="Calibri Light" charset="0"/>
               </a:rPr>
-              <a:t>Equation of planes</a:t>
-            </a:r>
+              <a:t>Select </a:t>
+            </a:r>
+            <a:r>
+              <a:rPr lang="fr-FR" sz="2800" dirty="0" err="1">
+                <a:solidFill>
+                  <a:schemeClr val="accent2"/>
+                </a:solidFill>
+                <a:latin typeface="Calibri Light" charset="0"/>
+                <a:ea typeface="Calibri Light" charset="0"/>
+                <a:cs typeface="Calibri Light" charset="0"/>
+              </a:rPr>
+              <a:t>blade</a:t>
+            </a:r>
+            <a:endParaRPr lang="fr-FR" sz="2800" dirty="0">
+              <a:solidFill>
+                <a:schemeClr val="accent2"/>
+              </a:solidFill>
+              <a:latin typeface="Calibri Light" charset="0"/>
+              <a:ea typeface="Calibri Light" charset="0"/>
+              <a:cs typeface="Calibri Light" charset="0"/>
+            </a:endParaRPr>
           </a:p>
           <a:p>
             <a:pPr marL="1028700" lvl="1" indent="-571500">
@@ -27555,46 +27546,34 @@
                 <a:ea typeface="Calibri Light" charset="0"/>
                 <a:cs typeface="Calibri Light" charset="0"/>
               </a:rPr>
+              <a:t>Equation of planes</a:t>
+            </a:r>
+          </a:p>
+          <a:p>
+            <a:pPr marL="1028700" lvl="1" indent="-571500">
+              <a:lnSpc>
+                <a:spcPct val="90000"/>
+              </a:lnSpc>
+              <a:spcBef>
+                <a:spcPts val="1000"/>
+              </a:spcBef>
+              <a:buFont typeface="Wingdings" charset="2"/>
+              <a:buChar char="§"/>
+            </a:pPr>
+            <a:r>
+              <a:rPr lang="fr-FR" sz="2800" dirty="0">
+                <a:solidFill>
+                  <a:schemeClr val="accent2"/>
+                </a:solidFill>
+                <a:latin typeface="Calibri Light" charset="0"/>
+                <a:ea typeface="Calibri Light" charset="0"/>
+                <a:cs typeface="Calibri Light" charset="0"/>
+              </a:rPr>
               <a:t>Point segmentation</a:t>
             </a:r>
           </a:p>
         </p:txBody>
       </p:sp>
-      <p:pic>
-        <p:nvPicPr>
-          <p:cNvPr id="3" name="Picture 2" descr="A close up of a piece of paper&#10;&#10;Description generated with high confidence">
-            <a:extLst>
-              <a:ext uri="{FF2B5EF4-FFF2-40B4-BE49-F238E27FC236}">
-                <a16:creationId xmlns:a16="http://schemas.microsoft.com/office/drawing/2014/main" id="{D51A44A5-FC3E-4463-8947-BDE25A93AD8B}"/>
-              </a:ext>
-            </a:extLst>
-          </p:cNvPr>
-          <p:cNvPicPr>
-            <a:picLocks noChangeAspect="1"/>
-          </p:cNvPicPr>
-          <p:nvPr/>
-        </p:nvPicPr>
-        <p:blipFill rotWithShape="1">
-          <a:blip r:embed="rId3">
-            <a:extLst>
-              <a:ext uri="{28A0092B-C50C-407E-A947-70E740481C1C}">
-                <a14:useLocalDpi xmlns:a14="http://schemas.microsoft.com/office/drawing/2010/main" val="0"/>
-              </a:ext>
-            </a:extLst>
-          </a:blip>
-          <a:srcRect l="15002" t="10674" r="15638" b="10161"/>
-          <a:stretch/>
-        </p:blipFill>
-        <p:spPr>
-          <a:xfrm>
-            <a:off x="6665025" y="2044160"/>
-            <a:ext cx="4547458" cy="3860340"/>
-          </a:xfrm>
-          <a:prstGeom prst="rect">
-            <a:avLst/>
-          </a:prstGeom>
-        </p:spPr>
-      </p:pic>
       <p:sp>
         <p:nvSpPr>
           <p:cNvPr id="11" name="ZoneTexte 18">
@@ -27645,6 +27624,384 @@
           </a:p>
         </p:txBody>
       </p:sp>
+      <p:pic>
+        <p:nvPicPr>
+          <p:cNvPr id="8" name="Picture 7" descr="https://i.stack.imgur.com/Wo8E2.jpg">
+            <a:extLst>
+              <a:ext uri="{FF2B5EF4-FFF2-40B4-BE49-F238E27FC236}">
+                <a16:creationId xmlns:a16="http://schemas.microsoft.com/office/drawing/2014/main" id="{7FEBC55A-BD2F-4E82-8ED2-ECA54E3B4312}"/>
+              </a:ext>
+            </a:extLst>
+          </p:cNvPr>
+          <p:cNvPicPr>
+            <a:picLocks noChangeAspect="1" noChangeArrowheads="1"/>
+          </p:cNvPicPr>
+          <p:nvPr/>
+        </p:nvPicPr>
+        <p:blipFill>
+          <a:blip r:embed="rId3">
+            <a:extLst>
+              <a:ext uri="{28A0092B-C50C-407E-A947-70E740481C1C}">
+                <a14:useLocalDpi xmlns:a14="http://schemas.microsoft.com/office/drawing/2010/main" val="0"/>
+              </a:ext>
+            </a:extLst>
+          </a:blip>
+          <a:srcRect/>
+          <a:stretch>
+            <a:fillRect/>
+          </a:stretch>
+        </p:blipFill>
+        <p:spPr bwMode="auto">
+          <a:xfrm>
+            <a:off x="9088404" y="183742"/>
+            <a:ext cx="2826223" cy="1307128"/>
+          </a:xfrm>
+          <a:prstGeom prst="rect">
+            <a:avLst/>
+          </a:prstGeom>
+          <a:noFill/>
+          <a:extLst>
+            <a:ext uri="{909E8E84-426E-40DD-AFC4-6F175D3DCCD1}">
+              <a14:hiddenFill xmlns:a14="http://schemas.microsoft.com/office/drawing/2010/main">
+                <a:solidFill>
+                  <a:srgbClr val="FFFFFF"/>
+                </a:solidFill>
+              </a14:hiddenFill>
+            </a:ext>
+          </a:extLst>
+        </p:spPr>
+      </p:pic>
+      <p:sp>
+        <p:nvSpPr>
+          <p:cNvPr id="10" name="Espace réservé du pied de page 6">
+            <a:extLst>
+              <a:ext uri="{FF2B5EF4-FFF2-40B4-BE49-F238E27FC236}">
+                <a16:creationId xmlns:a16="http://schemas.microsoft.com/office/drawing/2014/main" id="{F64F14EA-0B9F-45B1-BBA5-F73C9350CA67}"/>
+              </a:ext>
+            </a:extLst>
+          </p:cNvPr>
+          <p:cNvSpPr>
+            <a:spLocks noGrp="1"/>
+          </p:cNvSpPr>
+          <p:nvPr>
+            <p:ph type="ftr" sz="quarter" idx="11"/>
+          </p:nvPr>
+        </p:nvSpPr>
+        <p:spPr>
+          <a:xfrm>
+            <a:off x="3686185" y="6470868"/>
+            <a:ext cx="4822804" cy="365125"/>
+          </a:xfrm>
+        </p:spPr>
+        <p:txBody>
+          <a:bodyPr/>
+          <a:lstStyle/>
+          <a:p>
+            <a:r>
+              <a:rPr lang="fr-CH" sz="1100" dirty="0"/>
+              <a:t>EPFL-STI-LIS | 24.10.2018</a:t>
+            </a:r>
+          </a:p>
+        </p:txBody>
+      </p:sp>
+      <p:pic>
+        <p:nvPicPr>
+          <p:cNvPr id="4" name="Picture 3" descr="A screenshot of a cell phone&#10;&#10;Description generated with high confidence">
+            <a:extLst>
+              <a:ext uri="{FF2B5EF4-FFF2-40B4-BE49-F238E27FC236}">
+                <a16:creationId xmlns:a16="http://schemas.microsoft.com/office/drawing/2014/main" id="{F0B7AF4F-D93E-4193-BE9A-EBE9EAFB2F2B}"/>
+              </a:ext>
+            </a:extLst>
+          </p:cNvPr>
+          <p:cNvPicPr>
+            <a:picLocks noChangeAspect="1"/>
+          </p:cNvPicPr>
+          <p:nvPr/>
+        </p:nvPicPr>
+        <p:blipFill rotWithShape="1">
+          <a:blip r:embed="rId4">
+            <a:extLst>
+              <a:ext uri="{28A0092B-C50C-407E-A947-70E740481C1C}">
+                <a14:useLocalDpi xmlns:a14="http://schemas.microsoft.com/office/drawing/2010/main" val="0"/>
+              </a:ext>
+            </a:extLst>
+          </a:blip>
+          <a:srcRect l="10848" t="10975" r="8740" b="10685"/>
+          <a:stretch/>
+        </p:blipFill>
+        <p:spPr>
+          <a:xfrm>
+            <a:off x="6060619" y="2303891"/>
+            <a:ext cx="5151864" cy="3733000"/>
+          </a:xfrm>
+          <a:prstGeom prst="rect">
+            <a:avLst/>
+          </a:prstGeom>
+        </p:spPr>
+      </p:pic>
+      <p:sp>
+        <p:nvSpPr>
+          <p:cNvPr id="21" name="TextBox 20">
+            <a:extLst>
+              <a:ext uri="{FF2B5EF4-FFF2-40B4-BE49-F238E27FC236}">
+                <a16:creationId xmlns:a16="http://schemas.microsoft.com/office/drawing/2014/main" id="{0ABB5DD6-CBC0-4AA3-B26E-5B6A87C787A0}"/>
+              </a:ext>
+            </a:extLst>
+          </p:cNvPr>
+          <p:cNvSpPr txBox="1"/>
+          <p:nvPr/>
+        </p:nvSpPr>
+        <p:spPr>
+          <a:xfrm>
+            <a:off x="9193889" y="2939950"/>
+            <a:ext cx="2004468" cy="338554"/>
+          </a:xfrm>
+          <a:prstGeom prst="rect">
+            <a:avLst/>
+          </a:prstGeom>
+          <a:solidFill>
+            <a:schemeClr val="bg1"/>
+          </a:solidFill>
+        </p:spPr>
+        <p:txBody>
+          <a:bodyPr wrap="square" rtlCol="0">
+            <a:spAutoFit/>
+          </a:bodyPr>
+          <a:lstStyle/>
+          <a:p>
+            <a:pPr algn="ctr"/>
+            <a:r>
+              <a:rPr lang="fr-CH" sz="1600" dirty="0"/>
+              <a:t>Planes</a:t>
+            </a:r>
+          </a:p>
+        </p:txBody>
+      </p:sp>
+      <p:cxnSp>
+        <p:nvCxnSpPr>
+          <p:cNvPr id="40" name="Straight Connector 39">
+            <a:extLst>
+              <a:ext uri="{FF2B5EF4-FFF2-40B4-BE49-F238E27FC236}">
+                <a16:creationId xmlns:a16="http://schemas.microsoft.com/office/drawing/2014/main" id="{4E41FFBC-DF4B-458C-AAF4-57314D153CC2}"/>
+              </a:ext>
+            </a:extLst>
+          </p:cNvPr>
+          <p:cNvCxnSpPr>
+            <a:cxnSpLocks/>
+          </p:cNvCxnSpPr>
+          <p:nvPr/>
+        </p:nvCxnSpPr>
+        <p:spPr>
+          <a:xfrm flipV="1">
+            <a:off x="7850459" y="3944510"/>
+            <a:ext cx="1237945" cy="460859"/>
+          </a:xfrm>
+          <a:prstGeom prst="line">
+            <a:avLst/>
+          </a:prstGeom>
+          <a:ln w="19050">
+            <a:solidFill>
+              <a:schemeClr val="bg2">
+                <a:lumMod val="10000"/>
+              </a:schemeClr>
+            </a:solidFill>
+          </a:ln>
+        </p:spPr>
+        <p:style>
+          <a:lnRef idx="1">
+            <a:schemeClr val="accent1"/>
+          </a:lnRef>
+          <a:fillRef idx="0">
+            <a:schemeClr val="accent1"/>
+          </a:fillRef>
+          <a:effectRef idx="0">
+            <a:schemeClr val="accent1"/>
+          </a:effectRef>
+          <a:fontRef idx="minor">
+            <a:schemeClr val="tx1"/>
+          </a:fontRef>
+        </p:style>
+      </p:cxnSp>
+      <p:cxnSp>
+        <p:nvCxnSpPr>
+          <p:cNvPr id="47" name="Straight Connector 46">
+            <a:extLst>
+              <a:ext uri="{FF2B5EF4-FFF2-40B4-BE49-F238E27FC236}">
+                <a16:creationId xmlns:a16="http://schemas.microsoft.com/office/drawing/2014/main" id="{DEEEB07F-28B3-4BA8-A74B-CA1925145598}"/>
+              </a:ext>
+            </a:extLst>
+          </p:cNvPr>
+          <p:cNvCxnSpPr>
+            <a:cxnSpLocks/>
+          </p:cNvCxnSpPr>
+          <p:nvPr/>
+        </p:nvCxnSpPr>
+        <p:spPr>
+          <a:xfrm flipV="1">
+            <a:off x="8017578" y="4386387"/>
+            <a:ext cx="1237945" cy="460859"/>
+          </a:xfrm>
+          <a:prstGeom prst="line">
+            <a:avLst/>
+          </a:prstGeom>
+          <a:ln w="19050">
+            <a:solidFill>
+              <a:schemeClr val="bg2">
+                <a:lumMod val="10000"/>
+              </a:schemeClr>
+            </a:solidFill>
+          </a:ln>
+        </p:spPr>
+        <p:style>
+          <a:lnRef idx="1">
+            <a:schemeClr val="accent1"/>
+          </a:lnRef>
+          <a:fillRef idx="0">
+            <a:schemeClr val="accent1"/>
+          </a:fillRef>
+          <a:effectRef idx="0">
+            <a:schemeClr val="accent1"/>
+          </a:effectRef>
+          <a:fontRef idx="minor">
+            <a:schemeClr val="tx1"/>
+          </a:fontRef>
+        </p:style>
+      </p:cxnSp>
+      <p:cxnSp>
+        <p:nvCxnSpPr>
+          <p:cNvPr id="48" name="Straight Connector 47">
+            <a:extLst>
+              <a:ext uri="{FF2B5EF4-FFF2-40B4-BE49-F238E27FC236}">
+                <a16:creationId xmlns:a16="http://schemas.microsoft.com/office/drawing/2014/main" id="{F596BABA-6721-407E-8208-0A7AE706D145}"/>
+              </a:ext>
+            </a:extLst>
+          </p:cNvPr>
+          <p:cNvCxnSpPr>
+            <a:cxnSpLocks/>
+          </p:cNvCxnSpPr>
+          <p:nvPr/>
+        </p:nvCxnSpPr>
+        <p:spPr>
+          <a:xfrm flipV="1">
+            <a:off x="7662689" y="2990626"/>
+            <a:ext cx="1237945" cy="460859"/>
+          </a:xfrm>
+          <a:prstGeom prst="line">
+            <a:avLst/>
+          </a:prstGeom>
+          <a:ln w="19050">
+            <a:solidFill>
+              <a:schemeClr val="bg2">
+                <a:lumMod val="10000"/>
+              </a:schemeClr>
+            </a:solidFill>
+          </a:ln>
+        </p:spPr>
+        <p:style>
+          <a:lnRef idx="1">
+            <a:schemeClr val="accent1"/>
+          </a:lnRef>
+          <a:fillRef idx="0">
+            <a:schemeClr val="accent1"/>
+          </a:fillRef>
+          <a:effectRef idx="0">
+            <a:schemeClr val="accent1"/>
+          </a:effectRef>
+          <a:fontRef idx="minor">
+            <a:schemeClr val="tx1"/>
+          </a:fontRef>
+        </p:style>
+      </p:cxnSp>
+      <p:cxnSp>
+        <p:nvCxnSpPr>
+          <p:cNvPr id="49" name="Straight Connector 48">
+            <a:extLst>
+              <a:ext uri="{FF2B5EF4-FFF2-40B4-BE49-F238E27FC236}">
+                <a16:creationId xmlns:a16="http://schemas.microsoft.com/office/drawing/2014/main" id="{071CA9EC-BF04-4DBE-B7CB-A3AF9F10313C}"/>
+              </a:ext>
+            </a:extLst>
+          </p:cNvPr>
+          <p:cNvCxnSpPr>
+            <a:cxnSpLocks/>
+          </p:cNvCxnSpPr>
+          <p:nvPr/>
+        </p:nvCxnSpPr>
+        <p:spPr>
+          <a:xfrm flipV="1">
+            <a:off x="7792501" y="3432503"/>
+            <a:ext cx="1237945" cy="460859"/>
+          </a:xfrm>
+          <a:prstGeom prst="line">
+            <a:avLst/>
+          </a:prstGeom>
+          <a:ln w="19050">
+            <a:solidFill>
+              <a:schemeClr val="bg2">
+                <a:lumMod val="10000"/>
+              </a:schemeClr>
+            </a:solidFill>
+          </a:ln>
+        </p:spPr>
+        <p:style>
+          <a:lnRef idx="1">
+            <a:schemeClr val="accent1"/>
+          </a:lnRef>
+          <a:fillRef idx="0">
+            <a:schemeClr val="accent1"/>
+          </a:fillRef>
+          <a:effectRef idx="0">
+            <a:schemeClr val="accent1"/>
+          </a:effectRef>
+          <a:fontRef idx="minor">
+            <a:schemeClr val="tx1"/>
+          </a:fontRef>
+        </p:style>
+      </p:cxnSp>
+      <p:cxnSp>
+        <p:nvCxnSpPr>
+          <p:cNvPr id="50" name="Straight Connector 49">
+            <a:extLst>
+              <a:ext uri="{FF2B5EF4-FFF2-40B4-BE49-F238E27FC236}">
+                <a16:creationId xmlns:a16="http://schemas.microsoft.com/office/drawing/2014/main" id="{B458BD64-5A29-4C85-A23D-638B0BC1D624}"/>
+              </a:ext>
+            </a:extLst>
+          </p:cNvPr>
+          <p:cNvCxnSpPr>
+            <a:cxnSpLocks/>
+          </p:cNvCxnSpPr>
+          <p:nvPr/>
+        </p:nvCxnSpPr>
+        <p:spPr>
+          <a:xfrm>
+            <a:off x="9474574" y="3114784"/>
+            <a:ext cx="202489" cy="3631"/>
+          </a:xfrm>
+          <a:prstGeom prst="line">
+            <a:avLst/>
+          </a:prstGeom>
+          <a:ln w="19050">
+            <a:solidFill>
+              <a:schemeClr val="bg2">
+                <a:lumMod val="10000"/>
+              </a:schemeClr>
+            </a:solidFill>
+          </a:ln>
+        </p:spPr>
+        <p:style>
+          <a:lnRef idx="1">
+            <a:schemeClr val="accent1"/>
+          </a:lnRef>
+          <a:fillRef idx="0">
+            <a:schemeClr val="accent1"/>
+          </a:fillRef>
+          <a:effectRef idx="0">
+            <a:schemeClr val="accent1"/>
+          </a:effectRef>
+          <a:fontRef idx="minor">
+            <a:schemeClr val="tx1"/>
+          </a:fontRef>
+        </p:style>
+      </p:cxnSp>
     </p:spTree>
     <p:extLst>
       <p:ext uri="{BB962C8B-B14F-4D97-AF65-F5344CB8AC3E}">
@@ -27702,42 +28059,14 @@
         </p:blipFill>
         <p:spPr>
           <a:xfrm>
-            <a:off x="6858000" y="2275316"/>
-            <a:ext cx="4514922" cy="4019970"/>
+            <a:off x="6478193" y="1937146"/>
+            <a:ext cx="4894729" cy="4358140"/>
           </a:xfrm>
           <a:prstGeom prst="rect">
             <a:avLst/>
           </a:prstGeom>
         </p:spPr>
       </p:pic>
-      <p:sp>
-        <p:nvSpPr>
-          <p:cNvPr id="4" name="Footer Placeholder 3">
-            <a:extLst>
-              <a:ext uri="{FF2B5EF4-FFF2-40B4-BE49-F238E27FC236}">
-                <a16:creationId xmlns:a16="http://schemas.microsoft.com/office/drawing/2014/main" id="{3A72F2D6-3524-46D3-B419-AA669C534138}"/>
-              </a:ext>
-            </a:extLst>
-          </p:cNvPr>
-          <p:cNvSpPr>
-            <a:spLocks noGrp="1"/>
-          </p:cNvSpPr>
-          <p:nvPr>
-            <p:ph type="ftr" sz="quarter" idx="11"/>
-          </p:nvPr>
-        </p:nvSpPr>
-        <p:spPr/>
-        <p:txBody>
-          <a:bodyPr/>
-          <a:lstStyle/>
-          <a:p>
-            <a:r>
-              <a:rPr lang="fr-CH"/>
-              <a:t>EPFL-STI-LMAM | 04.04.2018</a:t>
-            </a:r>
-          </a:p>
-        </p:txBody>
-      </p:sp>
       <p:sp>
         <p:nvSpPr>
           <p:cNvPr id="5" name="Slide Number Placeholder 4">
@@ -28055,56 +28384,6 @@
               <a:rPr lang="fr-CH" sz="1400" dirty="0"/>
               <a:t> </a:t>
             </a:r>
-          </a:p>
-        </p:txBody>
-      </p:sp>
-      <p:sp>
-        <p:nvSpPr>
-          <p:cNvPr id="15" name="TextBox 14">
-            <a:extLst>
-              <a:ext uri="{FF2B5EF4-FFF2-40B4-BE49-F238E27FC236}">
-                <a16:creationId xmlns:a16="http://schemas.microsoft.com/office/drawing/2014/main" id="{1C715C86-5A0B-47ED-9587-804EAA8CC776}"/>
-              </a:ext>
-            </a:extLst>
-          </p:cNvPr>
-          <p:cNvSpPr txBox="1"/>
-          <p:nvPr/>
-        </p:nvSpPr>
-        <p:spPr>
-          <a:xfrm>
-            <a:off x="5516217" y="4579964"/>
-            <a:ext cx="1606826" cy="646331"/>
-          </a:xfrm>
-          <a:prstGeom prst="rect">
-            <a:avLst/>
-          </a:prstGeom>
-          <a:solidFill>
-            <a:schemeClr val="bg1"/>
-          </a:solidFill>
-        </p:spPr>
-        <p:txBody>
-          <a:bodyPr wrap="square" rtlCol="0">
-            <a:spAutoFit/>
-          </a:bodyPr>
-          <a:lstStyle/>
-          <a:p>
-            <a:r>
-              <a:rPr lang="fr-CH" dirty="0"/>
-              <a:t>N = 200 points on </a:t>
-            </a:r>
-            <a:r>
-              <a:rPr lang="fr-CH" dirty="0" err="1"/>
-              <a:t>each</a:t>
-            </a:r>
-            <a:r>
-              <a:rPr lang="fr-CH" dirty="0"/>
-              <a:t> </a:t>
-            </a:r>
-            <a:r>
-              <a:rPr lang="fr-CH" dirty="0" err="1"/>
-              <a:t>sides</a:t>
-            </a:r>
-            <a:endParaRPr lang="fr-CH" dirty="0"/>
           </a:p>
         </p:txBody>
       </p:sp>
@@ -28155,6 +28434,3193 @@
           </a:extLst>
         </p:spPr>
       </p:pic>
+      <p:sp>
+        <p:nvSpPr>
+          <p:cNvPr id="10" name="Espace réservé du pied de page 6">
+            <a:extLst>
+              <a:ext uri="{FF2B5EF4-FFF2-40B4-BE49-F238E27FC236}">
+                <a16:creationId xmlns:a16="http://schemas.microsoft.com/office/drawing/2014/main" id="{779B00A3-DD75-40EA-B9A9-939B6B0F9C08}"/>
+              </a:ext>
+            </a:extLst>
+          </p:cNvPr>
+          <p:cNvSpPr>
+            <a:spLocks noGrp="1"/>
+          </p:cNvSpPr>
+          <p:nvPr>
+            <p:ph type="ftr" sz="quarter" idx="11"/>
+          </p:nvPr>
+        </p:nvSpPr>
+        <p:spPr>
+          <a:xfrm>
+            <a:off x="3686185" y="6470868"/>
+            <a:ext cx="4822804" cy="365125"/>
+          </a:xfrm>
+        </p:spPr>
+        <p:txBody>
+          <a:bodyPr/>
+          <a:lstStyle/>
+          <a:p>
+            <a:r>
+              <a:rPr lang="fr-CH" sz="1100" dirty="0"/>
+              <a:t>EPFL-STI-LIS | 24.10.2018</a:t>
+            </a:r>
+          </a:p>
+        </p:txBody>
+      </p:sp>
+      <p:sp>
+        <p:nvSpPr>
+          <p:cNvPr id="46" name="TextBox 45">
+            <a:extLst>
+              <a:ext uri="{FF2B5EF4-FFF2-40B4-BE49-F238E27FC236}">
+                <a16:creationId xmlns:a16="http://schemas.microsoft.com/office/drawing/2014/main" id="{3DC0129D-381E-4E78-8A0D-FFE4727A10B8}"/>
+              </a:ext>
+            </a:extLst>
+          </p:cNvPr>
+          <p:cNvSpPr txBox="1"/>
+          <p:nvPr/>
+        </p:nvSpPr>
+        <p:spPr>
+          <a:xfrm>
+            <a:off x="819078" y="4798739"/>
+            <a:ext cx="1378990" cy="338554"/>
+          </a:xfrm>
+          <a:prstGeom prst="rect">
+            <a:avLst/>
+          </a:prstGeom>
+          <a:noFill/>
+        </p:spPr>
+        <p:txBody>
+          <a:bodyPr wrap="square" rtlCol="0">
+            <a:spAutoFit/>
+          </a:bodyPr>
+          <a:lstStyle/>
+          <a:p>
+            <a:r>
+              <a:rPr lang="fr-CH" sz="1600" dirty="0"/>
+              <a:t>Cross-section</a:t>
+            </a:r>
+          </a:p>
+        </p:txBody>
+      </p:sp>
+      <p:sp>
+        <p:nvSpPr>
+          <p:cNvPr id="58" name="Flowchart: Connector 57">
+            <a:extLst>
+              <a:ext uri="{FF2B5EF4-FFF2-40B4-BE49-F238E27FC236}">
+                <a16:creationId xmlns:a16="http://schemas.microsoft.com/office/drawing/2014/main" id="{EB0C9579-EFD3-4015-B0FC-6922F7DE1AEC}"/>
+              </a:ext>
+            </a:extLst>
+          </p:cNvPr>
+          <p:cNvSpPr/>
+          <p:nvPr/>
+        </p:nvSpPr>
+        <p:spPr>
+          <a:xfrm>
+            <a:off x="3058319" y="4233493"/>
+            <a:ext cx="86517" cy="88358"/>
+          </a:xfrm>
+          <a:prstGeom prst="flowChartConnector">
+            <a:avLst/>
+          </a:prstGeom>
+          <a:solidFill>
+            <a:schemeClr val="tx1"/>
+          </a:solidFill>
+          <a:ln>
+            <a:solidFill>
+              <a:schemeClr val="tx1"/>
+            </a:solidFill>
+          </a:ln>
+        </p:spPr>
+        <p:style>
+          <a:lnRef idx="2">
+            <a:schemeClr val="accent1">
+              <a:shade val="50000"/>
+            </a:schemeClr>
+          </a:lnRef>
+          <a:fillRef idx="1">
+            <a:schemeClr val="accent1"/>
+          </a:fillRef>
+          <a:effectRef idx="0">
+            <a:schemeClr val="accent1"/>
+          </a:effectRef>
+          <a:fontRef idx="minor">
+            <a:schemeClr val="lt1"/>
+          </a:fontRef>
+        </p:style>
+        <p:txBody>
+          <a:bodyPr rtlCol="0" anchor="ctr"/>
+          <a:lstStyle/>
+          <a:p>
+            <a:pPr algn="ctr"/>
+            <a:endParaRPr lang="fr-CH"/>
+          </a:p>
+        </p:txBody>
+      </p:sp>
+      <p:sp>
+        <p:nvSpPr>
+          <p:cNvPr id="59" name="Flowchart: Connector 58">
+            <a:extLst>
+              <a:ext uri="{FF2B5EF4-FFF2-40B4-BE49-F238E27FC236}">
+                <a16:creationId xmlns:a16="http://schemas.microsoft.com/office/drawing/2014/main" id="{84DBB1E3-C92A-4DCA-8A25-1446123CBCB2}"/>
+              </a:ext>
+            </a:extLst>
+          </p:cNvPr>
+          <p:cNvSpPr/>
+          <p:nvPr/>
+        </p:nvSpPr>
+        <p:spPr>
+          <a:xfrm>
+            <a:off x="3450682" y="4145135"/>
+            <a:ext cx="86517" cy="88358"/>
+          </a:xfrm>
+          <a:prstGeom prst="flowChartConnector">
+            <a:avLst/>
+          </a:prstGeom>
+          <a:solidFill>
+            <a:schemeClr val="tx1"/>
+          </a:solidFill>
+          <a:ln>
+            <a:solidFill>
+              <a:schemeClr val="tx1"/>
+            </a:solidFill>
+          </a:ln>
+        </p:spPr>
+        <p:style>
+          <a:lnRef idx="2">
+            <a:schemeClr val="accent1">
+              <a:shade val="50000"/>
+            </a:schemeClr>
+          </a:lnRef>
+          <a:fillRef idx="1">
+            <a:schemeClr val="accent1"/>
+          </a:fillRef>
+          <a:effectRef idx="0">
+            <a:schemeClr val="accent1"/>
+          </a:effectRef>
+          <a:fontRef idx="minor">
+            <a:schemeClr val="lt1"/>
+          </a:fontRef>
+        </p:style>
+        <p:txBody>
+          <a:bodyPr rtlCol="0" anchor="ctr"/>
+          <a:lstStyle/>
+          <a:p>
+            <a:pPr algn="ctr"/>
+            <a:endParaRPr lang="fr-CH"/>
+          </a:p>
+        </p:txBody>
+      </p:sp>
+      <p:sp>
+        <p:nvSpPr>
+          <p:cNvPr id="60" name="Flowchart: Connector 59">
+            <a:extLst>
+              <a:ext uri="{FF2B5EF4-FFF2-40B4-BE49-F238E27FC236}">
+                <a16:creationId xmlns:a16="http://schemas.microsoft.com/office/drawing/2014/main" id="{AB041E38-BB39-4C13-B58B-1DA2B36AA264}"/>
+              </a:ext>
+            </a:extLst>
+          </p:cNvPr>
+          <p:cNvSpPr/>
+          <p:nvPr/>
+        </p:nvSpPr>
+        <p:spPr>
+          <a:xfrm>
+            <a:off x="3929562" y="4208844"/>
+            <a:ext cx="86517" cy="88358"/>
+          </a:xfrm>
+          <a:prstGeom prst="flowChartConnector">
+            <a:avLst/>
+          </a:prstGeom>
+          <a:solidFill>
+            <a:schemeClr val="tx1"/>
+          </a:solidFill>
+          <a:ln>
+            <a:solidFill>
+              <a:schemeClr val="tx1"/>
+            </a:solidFill>
+          </a:ln>
+        </p:spPr>
+        <p:style>
+          <a:lnRef idx="2">
+            <a:schemeClr val="accent1">
+              <a:shade val="50000"/>
+            </a:schemeClr>
+          </a:lnRef>
+          <a:fillRef idx="1">
+            <a:schemeClr val="accent1"/>
+          </a:fillRef>
+          <a:effectRef idx="0">
+            <a:schemeClr val="accent1"/>
+          </a:effectRef>
+          <a:fontRef idx="minor">
+            <a:schemeClr val="lt1"/>
+          </a:fontRef>
+        </p:style>
+        <p:txBody>
+          <a:bodyPr rtlCol="0" anchor="ctr"/>
+          <a:lstStyle/>
+          <a:p>
+            <a:pPr algn="ctr"/>
+            <a:endParaRPr lang="fr-CH"/>
+          </a:p>
+        </p:txBody>
+      </p:sp>
+      <p:sp>
+        <p:nvSpPr>
+          <p:cNvPr id="61" name="Flowchart: Connector 60">
+            <a:extLst>
+              <a:ext uri="{FF2B5EF4-FFF2-40B4-BE49-F238E27FC236}">
+                <a16:creationId xmlns:a16="http://schemas.microsoft.com/office/drawing/2014/main" id="{114AEB52-F920-484A-BFD1-158009651040}"/>
+              </a:ext>
+            </a:extLst>
+          </p:cNvPr>
+          <p:cNvSpPr/>
+          <p:nvPr/>
+        </p:nvSpPr>
+        <p:spPr>
+          <a:xfrm>
+            <a:off x="4682032" y="4254844"/>
+            <a:ext cx="86517" cy="88358"/>
+          </a:xfrm>
+          <a:prstGeom prst="flowChartConnector">
+            <a:avLst/>
+          </a:prstGeom>
+          <a:solidFill>
+            <a:schemeClr val="tx1"/>
+          </a:solidFill>
+          <a:ln>
+            <a:solidFill>
+              <a:schemeClr val="tx1"/>
+            </a:solidFill>
+          </a:ln>
+        </p:spPr>
+        <p:style>
+          <a:lnRef idx="2">
+            <a:schemeClr val="accent1">
+              <a:shade val="50000"/>
+            </a:schemeClr>
+          </a:lnRef>
+          <a:fillRef idx="1">
+            <a:schemeClr val="accent1"/>
+          </a:fillRef>
+          <a:effectRef idx="0">
+            <a:schemeClr val="accent1"/>
+          </a:effectRef>
+          <a:fontRef idx="minor">
+            <a:schemeClr val="lt1"/>
+          </a:fontRef>
+        </p:style>
+        <p:txBody>
+          <a:bodyPr rtlCol="0" anchor="ctr"/>
+          <a:lstStyle/>
+          <a:p>
+            <a:pPr algn="ctr"/>
+            <a:endParaRPr lang="fr-CH"/>
+          </a:p>
+        </p:txBody>
+      </p:sp>
+      <p:sp>
+        <p:nvSpPr>
+          <p:cNvPr id="62" name="Flowchart: Connector 61">
+            <a:extLst>
+              <a:ext uri="{FF2B5EF4-FFF2-40B4-BE49-F238E27FC236}">
+                <a16:creationId xmlns:a16="http://schemas.microsoft.com/office/drawing/2014/main" id="{1911EF79-419C-4972-8F95-E1EA72AB6A60}"/>
+              </a:ext>
+            </a:extLst>
+          </p:cNvPr>
+          <p:cNvSpPr/>
+          <p:nvPr/>
+        </p:nvSpPr>
+        <p:spPr>
+          <a:xfrm>
+            <a:off x="4238063" y="4262745"/>
+            <a:ext cx="86517" cy="88358"/>
+          </a:xfrm>
+          <a:prstGeom prst="flowChartConnector">
+            <a:avLst/>
+          </a:prstGeom>
+          <a:solidFill>
+            <a:schemeClr val="tx1"/>
+          </a:solidFill>
+          <a:ln>
+            <a:solidFill>
+              <a:schemeClr val="tx1"/>
+            </a:solidFill>
+          </a:ln>
+        </p:spPr>
+        <p:style>
+          <a:lnRef idx="2">
+            <a:schemeClr val="accent1">
+              <a:shade val="50000"/>
+            </a:schemeClr>
+          </a:lnRef>
+          <a:fillRef idx="1">
+            <a:schemeClr val="accent1"/>
+          </a:fillRef>
+          <a:effectRef idx="0">
+            <a:schemeClr val="accent1"/>
+          </a:effectRef>
+          <a:fontRef idx="minor">
+            <a:schemeClr val="lt1"/>
+          </a:fontRef>
+        </p:style>
+        <p:txBody>
+          <a:bodyPr rtlCol="0" anchor="ctr"/>
+          <a:lstStyle/>
+          <a:p>
+            <a:pPr algn="ctr"/>
+            <a:endParaRPr lang="fr-CH"/>
+          </a:p>
+        </p:txBody>
+      </p:sp>
+      <p:sp>
+        <p:nvSpPr>
+          <p:cNvPr id="63" name="Flowchart: Connector 62">
+            <a:extLst>
+              <a:ext uri="{FF2B5EF4-FFF2-40B4-BE49-F238E27FC236}">
+                <a16:creationId xmlns:a16="http://schemas.microsoft.com/office/drawing/2014/main" id="{2E649959-A5E8-4055-B750-98DC930E8E25}"/>
+              </a:ext>
+            </a:extLst>
+          </p:cNvPr>
+          <p:cNvSpPr/>
+          <p:nvPr/>
+        </p:nvSpPr>
+        <p:spPr>
+          <a:xfrm>
+            <a:off x="4503306" y="4226687"/>
+            <a:ext cx="86517" cy="88358"/>
+          </a:xfrm>
+          <a:prstGeom prst="flowChartConnector">
+            <a:avLst/>
+          </a:prstGeom>
+          <a:solidFill>
+            <a:schemeClr val="tx1"/>
+          </a:solidFill>
+          <a:ln>
+            <a:solidFill>
+              <a:schemeClr val="tx1"/>
+            </a:solidFill>
+          </a:ln>
+        </p:spPr>
+        <p:style>
+          <a:lnRef idx="2">
+            <a:schemeClr val="accent1">
+              <a:shade val="50000"/>
+            </a:schemeClr>
+          </a:lnRef>
+          <a:fillRef idx="1">
+            <a:schemeClr val="accent1"/>
+          </a:fillRef>
+          <a:effectRef idx="0">
+            <a:schemeClr val="accent1"/>
+          </a:effectRef>
+          <a:fontRef idx="minor">
+            <a:schemeClr val="lt1"/>
+          </a:fontRef>
+        </p:style>
+        <p:txBody>
+          <a:bodyPr rtlCol="0" anchor="ctr"/>
+          <a:lstStyle/>
+          <a:p>
+            <a:pPr algn="ctr"/>
+            <a:endParaRPr lang="fr-CH"/>
+          </a:p>
+        </p:txBody>
+      </p:sp>
+      <p:sp>
+        <p:nvSpPr>
+          <p:cNvPr id="64" name="Flowchart: Connector 63">
+            <a:extLst>
+              <a:ext uri="{FF2B5EF4-FFF2-40B4-BE49-F238E27FC236}">
+                <a16:creationId xmlns:a16="http://schemas.microsoft.com/office/drawing/2014/main" id="{04752E9F-CB33-4E90-A310-FFF554E5B0A0}"/>
+              </a:ext>
+            </a:extLst>
+          </p:cNvPr>
+          <p:cNvSpPr/>
+          <p:nvPr/>
+        </p:nvSpPr>
+        <p:spPr>
+          <a:xfrm>
+            <a:off x="2567555" y="4455864"/>
+            <a:ext cx="86517" cy="88358"/>
+          </a:xfrm>
+          <a:prstGeom prst="flowChartConnector">
+            <a:avLst/>
+          </a:prstGeom>
+          <a:solidFill>
+            <a:schemeClr val="tx1"/>
+          </a:solidFill>
+          <a:ln>
+            <a:solidFill>
+              <a:schemeClr val="tx1"/>
+            </a:solidFill>
+          </a:ln>
+        </p:spPr>
+        <p:style>
+          <a:lnRef idx="2">
+            <a:schemeClr val="accent1">
+              <a:shade val="50000"/>
+            </a:schemeClr>
+          </a:lnRef>
+          <a:fillRef idx="1">
+            <a:schemeClr val="accent1"/>
+          </a:fillRef>
+          <a:effectRef idx="0">
+            <a:schemeClr val="accent1"/>
+          </a:effectRef>
+          <a:fontRef idx="minor">
+            <a:schemeClr val="lt1"/>
+          </a:fontRef>
+        </p:style>
+        <p:txBody>
+          <a:bodyPr rtlCol="0" anchor="ctr"/>
+          <a:lstStyle/>
+          <a:p>
+            <a:pPr algn="ctr"/>
+            <a:endParaRPr lang="fr-CH"/>
+          </a:p>
+        </p:txBody>
+      </p:sp>
+      <p:sp>
+        <p:nvSpPr>
+          <p:cNvPr id="65" name="Flowchart: Connector 64">
+            <a:extLst>
+              <a:ext uri="{FF2B5EF4-FFF2-40B4-BE49-F238E27FC236}">
+                <a16:creationId xmlns:a16="http://schemas.microsoft.com/office/drawing/2014/main" id="{41FC7153-8FBF-4E6F-9521-9B672869ECC1}"/>
+              </a:ext>
+            </a:extLst>
+          </p:cNvPr>
+          <p:cNvSpPr/>
+          <p:nvPr/>
+        </p:nvSpPr>
+        <p:spPr>
+          <a:xfrm>
+            <a:off x="3280303" y="4197773"/>
+            <a:ext cx="86517" cy="88358"/>
+          </a:xfrm>
+          <a:prstGeom prst="flowChartConnector">
+            <a:avLst/>
+          </a:prstGeom>
+          <a:solidFill>
+            <a:schemeClr val="tx1"/>
+          </a:solidFill>
+          <a:ln>
+            <a:solidFill>
+              <a:schemeClr val="tx1"/>
+            </a:solidFill>
+          </a:ln>
+        </p:spPr>
+        <p:style>
+          <a:lnRef idx="2">
+            <a:schemeClr val="accent1">
+              <a:shade val="50000"/>
+            </a:schemeClr>
+          </a:lnRef>
+          <a:fillRef idx="1">
+            <a:schemeClr val="accent1"/>
+          </a:fillRef>
+          <a:effectRef idx="0">
+            <a:schemeClr val="accent1"/>
+          </a:effectRef>
+          <a:fontRef idx="minor">
+            <a:schemeClr val="lt1"/>
+          </a:fontRef>
+        </p:style>
+        <p:txBody>
+          <a:bodyPr rtlCol="0" anchor="ctr"/>
+          <a:lstStyle/>
+          <a:p>
+            <a:pPr algn="ctr"/>
+            <a:endParaRPr lang="fr-CH"/>
+          </a:p>
+        </p:txBody>
+      </p:sp>
+      <p:sp>
+        <p:nvSpPr>
+          <p:cNvPr id="66" name="Flowchart: Connector 65">
+            <a:extLst>
+              <a:ext uri="{FF2B5EF4-FFF2-40B4-BE49-F238E27FC236}">
+                <a16:creationId xmlns:a16="http://schemas.microsoft.com/office/drawing/2014/main" id="{3699420D-B1F9-4283-8CF1-43238F32B3DD}"/>
+              </a:ext>
+            </a:extLst>
+          </p:cNvPr>
+          <p:cNvSpPr/>
+          <p:nvPr/>
+        </p:nvSpPr>
+        <p:spPr>
+          <a:xfrm>
+            <a:off x="2879592" y="4197773"/>
+            <a:ext cx="86517" cy="88358"/>
+          </a:xfrm>
+          <a:prstGeom prst="flowChartConnector">
+            <a:avLst/>
+          </a:prstGeom>
+          <a:solidFill>
+            <a:schemeClr val="tx1"/>
+          </a:solidFill>
+          <a:ln>
+            <a:solidFill>
+              <a:schemeClr val="tx1"/>
+            </a:solidFill>
+          </a:ln>
+        </p:spPr>
+        <p:style>
+          <a:lnRef idx="2">
+            <a:schemeClr val="accent1">
+              <a:shade val="50000"/>
+            </a:schemeClr>
+          </a:lnRef>
+          <a:fillRef idx="1">
+            <a:schemeClr val="accent1"/>
+          </a:fillRef>
+          <a:effectRef idx="0">
+            <a:schemeClr val="accent1"/>
+          </a:effectRef>
+          <a:fontRef idx="minor">
+            <a:schemeClr val="lt1"/>
+          </a:fontRef>
+        </p:style>
+        <p:txBody>
+          <a:bodyPr rtlCol="0" anchor="ctr"/>
+          <a:lstStyle/>
+          <a:p>
+            <a:pPr algn="ctr"/>
+            <a:endParaRPr lang="fr-CH"/>
+          </a:p>
+        </p:txBody>
+      </p:sp>
+      <p:sp>
+        <p:nvSpPr>
+          <p:cNvPr id="67" name="Flowchart: Connector 66">
+            <a:extLst>
+              <a:ext uri="{FF2B5EF4-FFF2-40B4-BE49-F238E27FC236}">
+                <a16:creationId xmlns:a16="http://schemas.microsoft.com/office/drawing/2014/main" id="{6D2EEC2A-26E2-4D98-94F4-32B100E4E9F3}"/>
+              </a:ext>
+            </a:extLst>
+          </p:cNvPr>
+          <p:cNvSpPr/>
+          <p:nvPr/>
+        </p:nvSpPr>
+        <p:spPr>
+          <a:xfrm>
+            <a:off x="4879522" y="4226687"/>
+            <a:ext cx="86517" cy="88358"/>
+          </a:xfrm>
+          <a:prstGeom prst="flowChartConnector">
+            <a:avLst/>
+          </a:prstGeom>
+          <a:solidFill>
+            <a:schemeClr val="tx1"/>
+          </a:solidFill>
+          <a:ln>
+            <a:solidFill>
+              <a:schemeClr val="tx1"/>
+            </a:solidFill>
+          </a:ln>
+        </p:spPr>
+        <p:style>
+          <a:lnRef idx="2">
+            <a:schemeClr val="accent1">
+              <a:shade val="50000"/>
+            </a:schemeClr>
+          </a:lnRef>
+          <a:fillRef idx="1">
+            <a:schemeClr val="accent1"/>
+          </a:fillRef>
+          <a:effectRef idx="0">
+            <a:schemeClr val="accent1"/>
+          </a:effectRef>
+          <a:fontRef idx="minor">
+            <a:schemeClr val="lt1"/>
+          </a:fontRef>
+        </p:style>
+        <p:txBody>
+          <a:bodyPr rtlCol="0" anchor="ctr"/>
+          <a:lstStyle/>
+          <a:p>
+            <a:pPr algn="ctr"/>
+            <a:endParaRPr lang="fr-CH"/>
+          </a:p>
+        </p:txBody>
+      </p:sp>
+      <p:sp>
+        <p:nvSpPr>
+          <p:cNvPr id="68" name="Flowchart: Connector 67">
+            <a:extLst>
+              <a:ext uri="{FF2B5EF4-FFF2-40B4-BE49-F238E27FC236}">
+                <a16:creationId xmlns:a16="http://schemas.microsoft.com/office/drawing/2014/main" id="{D08D02AA-CC5C-40FC-BD48-FC16EB3500D6}"/>
+              </a:ext>
+            </a:extLst>
+          </p:cNvPr>
+          <p:cNvSpPr/>
+          <p:nvPr/>
+        </p:nvSpPr>
+        <p:spPr>
+          <a:xfrm>
+            <a:off x="2698762" y="4341660"/>
+            <a:ext cx="86517" cy="88358"/>
+          </a:xfrm>
+          <a:prstGeom prst="flowChartConnector">
+            <a:avLst/>
+          </a:prstGeom>
+          <a:solidFill>
+            <a:schemeClr val="tx1"/>
+          </a:solidFill>
+          <a:ln>
+            <a:solidFill>
+              <a:schemeClr val="tx1"/>
+            </a:solidFill>
+          </a:ln>
+        </p:spPr>
+        <p:style>
+          <a:lnRef idx="2">
+            <a:schemeClr val="accent1">
+              <a:shade val="50000"/>
+            </a:schemeClr>
+          </a:lnRef>
+          <a:fillRef idx="1">
+            <a:schemeClr val="accent1"/>
+          </a:fillRef>
+          <a:effectRef idx="0">
+            <a:schemeClr val="accent1"/>
+          </a:effectRef>
+          <a:fontRef idx="minor">
+            <a:schemeClr val="lt1"/>
+          </a:fontRef>
+        </p:style>
+        <p:txBody>
+          <a:bodyPr rtlCol="0" anchor="ctr"/>
+          <a:lstStyle/>
+          <a:p>
+            <a:pPr algn="ctr"/>
+            <a:endParaRPr lang="fr-CH"/>
+          </a:p>
+        </p:txBody>
+      </p:sp>
+      <p:sp>
+        <p:nvSpPr>
+          <p:cNvPr id="69" name="Flowchart: Connector 68">
+            <a:extLst>
+              <a:ext uri="{FF2B5EF4-FFF2-40B4-BE49-F238E27FC236}">
+                <a16:creationId xmlns:a16="http://schemas.microsoft.com/office/drawing/2014/main" id="{4ADC807A-ACF2-4588-975B-11EEB014253B}"/>
+              </a:ext>
+            </a:extLst>
+          </p:cNvPr>
+          <p:cNvSpPr/>
+          <p:nvPr/>
+        </p:nvSpPr>
+        <p:spPr>
+          <a:xfrm>
+            <a:off x="3642466" y="4153594"/>
+            <a:ext cx="86517" cy="88358"/>
+          </a:xfrm>
+          <a:prstGeom prst="flowChartConnector">
+            <a:avLst/>
+          </a:prstGeom>
+          <a:solidFill>
+            <a:schemeClr val="tx1"/>
+          </a:solidFill>
+          <a:ln>
+            <a:solidFill>
+              <a:schemeClr val="tx1"/>
+            </a:solidFill>
+          </a:ln>
+        </p:spPr>
+        <p:style>
+          <a:lnRef idx="2">
+            <a:schemeClr val="accent1">
+              <a:shade val="50000"/>
+            </a:schemeClr>
+          </a:lnRef>
+          <a:fillRef idx="1">
+            <a:schemeClr val="accent1"/>
+          </a:fillRef>
+          <a:effectRef idx="0">
+            <a:schemeClr val="accent1"/>
+          </a:effectRef>
+          <a:fontRef idx="minor">
+            <a:schemeClr val="lt1"/>
+          </a:fontRef>
+        </p:style>
+        <p:txBody>
+          <a:bodyPr rtlCol="0" anchor="ctr"/>
+          <a:lstStyle/>
+          <a:p>
+            <a:pPr algn="ctr"/>
+            <a:endParaRPr lang="fr-CH"/>
+          </a:p>
+        </p:txBody>
+      </p:sp>
+      <p:sp>
+        <p:nvSpPr>
+          <p:cNvPr id="70" name="Flowchart: Connector 69">
+            <a:extLst>
+              <a:ext uri="{FF2B5EF4-FFF2-40B4-BE49-F238E27FC236}">
+                <a16:creationId xmlns:a16="http://schemas.microsoft.com/office/drawing/2014/main" id="{0B68A0DF-F71D-4D7F-941F-D9B867D11E35}"/>
+              </a:ext>
+            </a:extLst>
+          </p:cNvPr>
+          <p:cNvSpPr/>
+          <p:nvPr/>
+        </p:nvSpPr>
+        <p:spPr>
+          <a:xfrm>
+            <a:off x="2657683" y="4572726"/>
+            <a:ext cx="86517" cy="88358"/>
+          </a:xfrm>
+          <a:prstGeom prst="flowChartConnector">
+            <a:avLst/>
+          </a:prstGeom>
+          <a:solidFill>
+            <a:schemeClr val="tx1"/>
+          </a:solidFill>
+          <a:ln>
+            <a:solidFill>
+              <a:schemeClr val="tx1"/>
+            </a:solidFill>
+          </a:ln>
+        </p:spPr>
+        <p:style>
+          <a:lnRef idx="2">
+            <a:schemeClr val="accent1">
+              <a:shade val="50000"/>
+            </a:schemeClr>
+          </a:lnRef>
+          <a:fillRef idx="1">
+            <a:schemeClr val="accent1"/>
+          </a:fillRef>
+          <a:effectRef idx="0">
+            <a:schemeClr val="accent1"/>
+          </a:effectRef>
+          <a:fontRef idx="minor">
+            <a:schemeClr val="lt1"/>
+          </a:fontRef>
+        </p:style>
+        <p:txBody>
+          <a:bodyPr rtlCol="0" anchor="ctr"/>
+          <a:lstStyle/>
+          <a:p>
+            <a:pPr algn="ctr"/>
+            <a:endParaRPr lang="fr-CH"/>
+          </a:p>
+        </p:txBody>
+      </p:sp>
+      <p:sp>
+        <p:nvSpPr>
+          <p:cNvPr id="71" name="Flowchart: Connector 70">
+            <a:extLst>
+              <a:ext uri="{FF2B5EF4-FFF2-40B4-BE49-F238E27FC236}">
+                <a16:creationId xmlns:a16="http://schemas.microsoft.com/office/drawing/2014/main" id="{814AC588-3B76-4F19-85FA-9DE5D6FE8824}"/>
+              </a:ext>
+            </a:extLst>
+          </p:cNvPr>
+          <p:cNvSpPr/>
+          <p:nvPr/>
+        </p:nvSpPr>
+        <p:spPr>
+          <a:xfrm>
+            <a:off x="2879591" y="4661084"/>
+            <a:ext cx="86517" cy="88358"/>
+          </a:xfrm>
+          <a:prstGeom prst="flowChartConnector">
+            <a:avLst/>
+          </a:prstGeom>
+          <a:solidFill>
+            <a:schemeClr val="tx1"/>
+          </a:solidFill>
+          <a:ln>
+            <a:solidFill>
+              <a:schemeClr val="tx1"/>
+            </a:solidFill>
+          </a:ln>
+        </p:spPr>
+        <p:style>
+          <a:lnRef idx="2">
+            <a:schemeClr val="accent1">
+              <a:shade val="50000"/>
+            </a:schemeClr>
+          </a:lnRef>
+          <a:fillRef idx="1">
+            <a:schemeClr val="accent1"/>
+          </a:fillRef>
+          <a:effectRef idx="0">
+            <a:schemeClr val="accent1"/>
+          </a:effectRef>
+          <a:fontRef idx="minor">
+            <a:schemeClr val="lt1"/>
+          </a:fontRef>
+        </p:style>
+        <p:txBody>
+          <a:bodyPr rtlCol="0" anchor="ctr"/>
+          <a:lstStyle/>
+          <a:p>
+            <a:pPr algn="ctr"/>
+            <a:endParaRPr lang="fr-CH"/>
+          </a:p>
+        </p:txBody>
+      </p:sp>
+      <p:sp>
+        <p:nvSpPr>
+          <p:cNvPr id="72" name="Flowchart: Connector 71">
+            <a:extLst>
+              <a:ext uri="{FF2B5EF4-FFF2-40B4-BE49-F238E27FC236}">
+                <a16:creationId xmlns:a16="http://schemas.microsoft.com/office/drawing/2014/main" id="{C1C2FB3D-1B4B-43EE-BE9A-825CAAB23A3F}"/>
+              </a:ext>
+            </a:extLst>
+          </p:cNvPr>
+          <p:cNvSpPr/>
+          <p:nvPr/>
+        </p:nvSpPr>
+        <p:spPr>
+          <a:xfrm>
+            <a:off x="3243327" y="4683821"/>
+            <a:ext cx="86517" cy="88358"/>
+          </a:xfrm>
+          <a:prstGeom prst="flowChartConnector">
+            <a:avLst/>
+          </a:prstGeom>
+          <a:solidFill>
+            <a:schemeClr val="tx1"/>
+          </a:solidFill>
+          <a:ln>
+            <a:solidFill>
+              <a:schemeClr val="tx1"/>
+            </a:solidFill>
+          </a:ln>
+        </p:spPr>
+        <p:style>
+          <a:lnRef idx="2">
+            <a:schemeClr val="accent1">
+              <a:shade val="50000"/>
+            </a:schemeClr>
+          </a:lnRef>
+          <a:fillRef idx="1">
+            <a:schemeClr val="accent1"/>
+          </a:fillRef>
+          <a:effectRef idx="0">
+            <a:schemeClr val="accent1"/>
+          </a:effectRef>
+          <a:fontRef idx="minor">
+            <a:schemeClr val="lt1"/>
+          </a:fontRef>
+        </p:style>
+        <p:txBody>
+          <a:bodyPr rtlCol="0" anchor="ctr"/>
+          <a:lstStyle/>
+          <a:p>
+            <a:pPr algn="ctr"/>
+            <a:endParaRPr lang="fr-CH"/>
+          </a:p>
+        </p:txBody>
+      </p:sp>
+      <p:sp>
+        <p:nvSpPr>
+          <p:cNvPr id="73" name="Flowchart: Connector 72">
+            <a:extLst>
+              <a:ext uri="{FF2B5EF4-FFF2-40B4-BE49-F238E27FC236}">
+                <a16:creationId xmlns:a16="http://schemas.microsoft.com/office/drawing/2014/main" id="{18C7C4EE-434A-401F-AE62-051793656252}"/>
+              </a:ext>
+            </a:extLst>
+          </p:cNvPr>
+          <p:cNvSpPr/>
+          <p:nvPr/>
+        </p:nvSpPr>
+        <p:spPr>
+          <a:xfrm>
+            <a:off x="4166175" y="4578214"/>
+            <a:ext cx="86517" cy="88358"/>
+          </a:xfrm>
+          <a:prstGeom prst="flowChartConnector">
+            <a:avLst/>
+          </a:prstGeom>
+          <a:solidFill>
+            <a:schemeClr val="tx1"/>
+          </a:solidFill>
+          <a:ln>
+            <a:solidFill>
+              <a:schemeClr val="tx1"/>
+            </a:solidFill>
+          </a:ln>
+        </p:spPr>
+        <p:style>
+          <a:lnRef idx="2">
+            <a:schemeClr val="accent1">
+              <a:shade val="50000"/>
+            </a:schemeClr>
+          </a:lnRef>
+          <a:fillRef idx="1">
+            <a:schemeClr val="accent1"/>
+          </a:fillRef>
+          <a:effectRef idx="0">
+            <a:schemeClr val="accent1"/>
+          </a:effectRef>
+          <a:fontRef idx="minor">
+            <a:schemeClr val="lt1"/>
+          </a:fontRef>
+        </p:style>
+        <p:txBody>
+          <a:bodyPr rtlCol="0" anchor="ctr"/>
+          <a:lstStyle/>
+          <a:p>
+            <a:pPr algn="ctr"/>
+            <a:endParaRPr lang="fr-CH"/>
+          </a:p>
+        </p:txBody>
+      </p:sp>
+      <p:sp>
+        <p:nvSpPr>
+          <p:cNvPr id="74" name="Flowchart: Connector 73">
+            <a:extLst>
+              <a:ext uri="{FF2B5EF4-FFF2-40B4-BE49-F238E27FC236}">
+                <a16:creationId xmlns:a16="http://schemas.microsoft.com/office/drawing/2014/main" id="{3DD3E9B6-CADD-429F-BFF5-09F57FD0DEF2}"/>
+              </a:ext>
+            </a:extLst>
+          </p:cNvPr>
+          <p:cNvSpPr/>
+          <p:nvPr/>
+        </p:nvSpPr>
+        <p:spPr>
+          <a:xfrm>
+            <a:off x="3541689" y="4649070"/>
+            <a:ext cx="86517" cy="88358"/>
+          </a:xfrm>
+          <a:prstGeom prst="flowChartConnector">
+            <a:avLst/>
+          </a:prstGeom>
+          <a:solidFill>
+            <a:schemeClr val="tx1"/>
+          </a:solidFill>
+          <a:ln>
+            <a:solidFill>
+              <a:schemeClr val="tx1"/>
+            </a:solidFill>
+          </a:ln>
+        </p:spPr>
+        <p:style>
+          <a:lnRef idx="2">
+            <a:schemeClr val="accent1">
+              <a:shade val="50000"/>
+            </a:schemeClr>
+          </a:lnRef>
+          <a:fillRef idx="1">
+            <a:schemeClr val="accent1"/>
+          </a:fillRef>
+          <a:effectRef idx="0">
+            <a:schemeClr val="accent1"/>
+          </a:effectRef>
+          <a:fontRef idx="minor">
+            <a:schemeClr val="lt1"/>
+          </a:fontRef>
+        </p:style>
+        <p:txBody>
+          <a:bodyPr rtlCol="0" anchor="ctr"/>
+          <a:lstStyle/>
+          <a:p>
+            <a:pPr algn="ctr"/>
+            <a:endParaRPr lang="fr-CH"/>
+          </a:p>
+        </p:txBody>
+      </p:sp>
+      <p:sp>
+        <p:nvSpPr>
+          <p:cNvPr id="75" name="Flowchart: Connector 74">
+            <a:extLst>
+              <a:ext uri="{FF2B5EF4-FFF2-40B4-BE49-F238E27FC236}">
+                <a16:creationId xmlns:a16="http://schemas.microsoft.com/office/drawing/2014/main" id="{27344340-E1FA-46F1-9B64-F3063B0FC366}"/>
+              </a:ext>
+            </a:extLst>
+          </p:cNvPr>
+          <p:cNvSpPr/>
+          <p:nvPr/>
+        </p:nvSpPr>
+        <p:spPr>
+          <a:xfrm>
+            <a:off x="3972820" y="4607261"/>
+            <a:ext cx="86517" cy="88358"/>
+          </a:xfrm>
+          <a:prstGeom prst="flowChartConnector">
+            <a:avLst/>
+          </a:prstGeom>
+          <a:solidFill>
+            <a:schemeClr val="tx1"/>
+          </a:solidFill>
+          <a:ln>
+            <a:solidFill>
+              <a:schemeClr val="tx1"/>
+            </a:solidFill>
+          </a:ln>
+        </p:spPr>
+        <p:style>
+          <a:lnRef idx="2">
+            <a:schemeClr val="accent1">
+              <a:shade val="50000"/>
+            </a:schemeClr>
+          </a:lnRef>
+          <a:fillRef idx="1">
+            <a:schemeClr val="accent1"/>
+          </a:fillRef>
+          <a:effectRef idx="0">
+            <a:schemeClr val="accent1"/>
+          </a:effectRef>
+          <a:fontRef idx="minor">
+            <a:schemeClr val="lt1"/>
+          </a:fontRef>
+        </p:style>
+        <p:txBody>
+          <a:bodyPr rtlCol="0" anchor="ctr"/>
+          <a:lstStyle/>
+          <a:p>
+            <a:pPr algn="ctr"/>
+            <a:endParaRPr lang="fr-CH"/>
+          </a:p>
+        </p:txBody>
+      </p:sp>
+      <p:sp>
+        <p:nvSpPr>
+          <p:cNvPr id="76" name="Flowchart: Connector 75">
+            <a:extLst>
+              <a:ext uri="{FF2B5EF4-FFF2-40B4-BE49-F238E27FC236}">
+                <a16:creationId xmlns:a16="http://schemas.microsoft.com/office/drawing/2014/main" id="{29ABB63D-E596-4D9E-AD7E-4EEBFC99ED14}"/>
+              </a:ext>
+            </a:extLst>
+          </p:cNvPr>
+          <p:cNvSpPr/>
+          <p:nvPr/>
+        </p:nvSpPr>
+        <p:spPr>
+          <a:xfrm>
+            <a:off x="4791173" y="4543622"/>
+            <a:ext cx="86517" cy="88358"/>
+          </a:xfrm>
+          <a:prstGeom prst="flowChartConnector">
+            <a:avLst/>
+          </a:prstGeom>
+          <a:solidFill>
+            <a:schemeClr val="tx1"/>
+          </a:solidFill>
+          <a:ln>
+            <a:solidFill>
+              <a:schemeClr val="tx1"/>
+            </a:solidFill>
+          </a:ln>
+        </p:spPr>
+        <p:style>
+          <a:lnRef idx="2">
+            <a:schemeClr val="accent1">
+              <a:shade val="50000"/>
+            </a:schemeClr>
+          </a:lnRef>
+          <a:fillRef idx="1">
+            <a:schemeClr val="accent1"/>
+          </a:fillRef>
+          <a:effectRef idx="0">
+            <a:schemeClr val="accent1"/>
+          </a:effectRef>
+          <a:fontRef idx="minor">
+            <a:schemeClr val="lt1"/>
+          </a:fontRef>
+        </p:style>
+        <p:txBody>
+          <a:bodyPr rtlCol="0" anchor="ctr"/>
+          <a:lstStyle/>
+          <a:p>
+            <a:pPr algn="ctr"/>
+            <a:endParaRPr lang="fr-CH"/>
+          </a:p>
+        </p:txBody>
+      </p:sp>
+      <p:sp>
+        <p:nvSpPr>
+          <p:cNvPr id="78" name="Flowchart: Connector 77">
+            <a:extLst>
+              <a:ext uri="{FF2B5EF4-FFF2-40B4-BE49-F238E27FC236}">
+                <a16:creationId xmlns:a16="http://schemas.microsoft.com/office/drawing/2014/main" id="{70B8F1DC-CE56-4F04-89B3-3CB25A181A9D}"/>
+              </a:ext>
+            </a:extLst>
+          </p:cNvPr>
+          <p:cNvSpPr/>
+          <p:nvPr/>
+        </p:nvSpPr>
+        <p:spPr>
+          <a:xfrm>
+            <a:off x="2567554" y="4526603"/>
+            <a:ext cx="86517" cy="88358"/>
+          </a:xfrm>
+          <a:prstGeom prst="flowChartConnector">
+            <a:avLst/>
+          </a:prstGeom>
+          <a:solidFill>
+            <a:schemeClr val="tx1"/>
+          </a:solidFill>
+          <a:ln>
+            <a:solidFill>
+              <a:schemeClr val="tx1"/>
+            </a:solidFill>
+          </a:ln>
+        </p:spPr>
+        <p:style>
+          <a:lnRef idx="2">
+            <a:schemeClr val="accent1">
+              <a:shade val="50000"/>
+            </a:schemeClr>
+          </a:lnRef>
+          <a:fillRef idx="1">
+            <a:schemeClr val="accent1"/>
+          </a:fillRef>
+          <a:effectRef idx="0">
+            <a:schemeClr val="accent1"/>
+          </a:effectRef>
+          <a:fontRef idx="minor">
+            <a:schemeClr val="lt1"/>
+          </a:fontRef>
+        </p:style>
+        <p:txBody>
+          <a:bodyPr rtlCol="0" anchor="ctr"/>
+          <a:lstStyle/>
+          <a:p>
+            <a:pPr algn="ctr"/>
+            <a:endParaRPr lang="fr-CH"/>
+          </a:p>
+        </p:txBody>
+      </p:sp>
+      <p:sp>
+        <p:nvSpPr>
+          <p:cNvPr id="79" name="Flowchart: Connector 78">
+            <a:extLst>
+              <a:ext uri="{FF2B5EF4-FFF2-40B4-BE49-F238E27FC236}">
+                <a16:creationId xmlns:a16="http://schemas.microsoft.com/office/drawing/2014/main" id="{E46832A7-F35C-4298-B696-2850127887AB}"/>
+              </a:ext>
+            </a:extLst>
+          </p:cNvPr>
+          <p:cNvSpPr/>
+          <p:nvPr/>
+        </p:nvSpPr>
+        <p:spPr>
+          <a:xfrm>
+            <a:off x="4332866" y="4595463"/>
+            <a:ext cx="86517" cy="88358"/>
+          </a:xfrm>
+          <a:prstGeom prst="flowChartConnector">
+            <a:avLst/>
+          </a:prstGeom>
+          <a:solidFill>
+            <a:schemeClr val="tx1"/>
+          </a:solidFill>
+          <a:ln>
+            <a:solidFill>
+              <a:schemeClr val="tx1"/>
+            </a:solidFill>
+          </a:ln>
+        </p:spPr>
+        <p:style>
+          <a:lnRef idx="2">
+            <a:schemeClr val="accent1">
+              <a:shade val="50000"/>
+            </a:schemeClr>
+          </a:lnRef>
+          <a:fillRef idx="1">
+            <a:schemeClr val="accent1"/>
+          </a:fillRef>
+          <a:effectRef idx="0">
+            <a:schemeClr val="accent1"/>
+          </a:effectRef>
+          <a:fontRef idx="minor">
+            <a:schemeClr val="lt1"/>
+          </a:fontRef>
+        </p:style>
+        <p:txBody>
+          <a:bodyPr rtlCol="0" anchor="ctr"/>
+          <a:lstStyle/>
+          <a:p>
+            <a:pPr algn="ctr"/>
+            <a:endParaRPr lang="fr-CH"/>
+          </a:p>
+        </p:txBody>
+      </p:sp>
+      <p:sp>
+        <p:nvSpPr>
+          <p:cNvPr id="80" name="Flowchart: Connector 79">
+            <a:extLst>
+              <a:ext uri="{FF2B5EF4-FFF2-40B4-BE49-F238E27FC236}">
+                <a16:creationId xmlns:a16="http://schemas.microsoft.com/office/drawing/2014/main" id="{308E9740-1278-407B-B122-9BE6AD35DFC8}"/>
+              </a:ext>
+            </a:extLst>
+          </p:cNvPr>
+          <p:cNvSpPr/>
+          <p:nvPr/>
+        </p:nvSpPr>
+        <p:spPr>
+          <a:xfrm>
+            <a:off x="3753534" y="4710381"/>
+            <a:ext cx="86517" cy="88358"/>
+          </a:xfrm>
+          <a:prstGeom prst="flowChartConnector">
+            <a:avLst/>
+          </a:prstGeom>
+          <a:solidFill>
+            <a:schemeClr val="tx1"/>
+          </a:solidFill>
+          <a:ln>
+            <a:solidFill>
+              <a:schemeClr val="tx1"/>
+            </a:solidFill>
+          </a:ln>
+        </p:spPr>
+        <p:style>
+          <a:lnRef idx="2">
+            <a:schemeClr val="accent1">
+              <a:shade val="50000"/>
+            </a:schemeClr>
+          </a:lnRef>
+          <a:fillRef idx="1">
+            <a:schemeClr val="accent1"/>
+          </a:fillRef>
+          <a:effectRef idx="0">
+            <a:schemeClr val="accent1"/>
+          </a:effectRef>
+          <a:fontRef idx="minor">
+            <a:schemeClr val="lt1"/>
+          </a:fontRef>
+        </p:style>
+        <p:txBody>
+          <a:bodyPr rtlCol="0" anchor="ctr"/>
+          <a:lstStyle/>
+          <a:p>
+            <a:pPr algn="ctr"/>
+            <a:endParaRPr lang="fr-CH"/>
+          </a:p>
+        </p:txBody>
+      </p:sp>
+      <p:sp>
+        <p:nvSpPr>
+          <p:cNvPr id="81" name="Flowchart: Connector 80">
+            <a:extLst>
+              <a:ext uri="{FF2B5EF4-FFF2-40B4-BE49-F238E27FC236}">
+                <a16:creationId xmlns:a16="http://schemas.microsoft.com/office/drawing/2014/main" id="{9149E790-E523-4639-A116-A0F88B00E397}"/>
+              </a:ext>
+            </a:extLst>
+          </p:cNvPr>
+          <p:cNvSpPr/>
+          <p:nvPr/>
+        </p:nvSpPr>
+        <p:spPr>
+          <a:xfrm>
+            <a:off x="4518197" y="4557075"/>
+            <a:ext cx="86517" cy="88358"/>
+          </a:xfrm>
+          <a:prstGeom prst="flowChartConnector">
+            <a:avLst/>
+          </a:prstGeom>
+          <a:solidFill>
+            <a:schemeClr val="tx1"/>
+          </a:solidFill>
+          <a:ln>
+            <a:solidFill>
+              <a:schemeClr val="tx1"/>
+            </a:solidFill>
+          </a:ln>
+        </p:spPr>
+        <p:style>
+          <a:lnRef idx="2">
+            <a:schemeClr val="accent1">
+              <a:shade val="50000"/>
+            </a:schemeClr>
+          </a:lnRef>
+          <a:fillRef idx="1">
+            <a:schemeClr val="accent1"/>
+          </a:fillRef>
+          <a:effectRef idx="0">
+            <a:schemeClr val="accent1"/>
+          </a:effectRef>
+          <a:fontRef idx="minor">
+            <a:schemeClr val="lt1"/>
+          </a:fontRef>
+        </p:style>
+        <p:txBody>
+          <a:bodyPr rtlCol="0" anchor="ctr"/>
+          <a:lstStyle/>
+          <a:p>
+            <a:pPr algn="ctr"/>
+            <a:endParaRPr lang="fr-CH"/>
+          </a:p>
+        </p:txBody>
+      </p:sp>
+      <p:sp>
+        <p:nvSpPr>
+          <p:cNvPr id="89" name="Flowchart: Connector 88">
+            <a:extLst>
+              <a:ext uri="{FF2B5EF4-FFF2-40B4-BE49-F238E27FC236}">
+                <a16:creationId xmlns:a16="http://schemas.microsoft.com/office/drawing/2014/main" id="{ADE484BF-841A-43DB-86B2-559207BE2F02}"/>
+              </a:ext>
+            </a:extLst>
+          </p:cNvPr>
+          <p:cNvSpPr/>
+          <p:nvPr/>
+        </p:nvSpPr>
+        <p:spPr>
+          <a:xfrm rot="787897">
+            <a:off x="2715139" y="5334703"/>
+            <a:ext cx="86517" cy="88358"/>
+          </a:xfrm>
+          <a:prstGeom prst="flowChartConnector">
+            <a:avLst/>
+          </a:prstGeom>
+          <a:solidFill>
+            <a:srgbClr val="FF0000"/>
+          </a:solidFill>
+          <a:ln>
+            <a:solidFill>
+              <a:schemeClr val="tx1"/>
+            </a:solidFill>
+          </a:ln>
+        </p:spPr>
+        <p:style>
+          <a:lnRef idx="2">
+            <a:schemeClr val="accent1">
+              <a:shade val="50000"/>
+            </a:schemeClr>
+          </a:lnRef>
+          <a:fillRef idx="1">
+            <a:schemeClr val="accent1"/>
+          </a:fillRef>
+          <a:effectRef idx="0">
+            <a:schemeClr val="accent1"/>
+          </a:effectRef>
+          <a:fontRef idx="minor">
+            <a:schemeClr val="lt1"/>
+          </a:fontRef>
+        </p:style>
+        <p:txBody>
+          <a:bodyPr rtlCol="0" anchor="ctr"/>
+          <a:lstStyle/>
+          <a:p>
+            <a:pPr algn="ctr"/>
+            <a:endParaRPr lang="fr-CH"/>
+          </a:p>
+        </p:txBody>
+      </p:sp>
+      <p:sp>
+        <p:nvSpPr>
+          <p:cNvPr id="90" name="Flowchart: Connector 89">
+            <a:extLst>
+              <a:ext uri="{FF2B5EF4-FFF2-40B4-BE49-F238E27FC236}">
+                <a16:creationId xmlns:a16="http://schemas.microsoft.com/office/drawing/2014/main" id="{DB60A5AB-649D-48CF-9496-1AA95BE92015}"/>
+              </a:ext>
+            </a:extLst>
+          </p:cNvPr>
+          <p:cNvSpPr/>
+          <p:nvPr/>
+        </p:nvSpPr>
+        <p:spPr>
+          <a:xfrm rot="787897">
+            <a:off x="3107503" y="5312171"/>
+            <a:ext cx="86517" cy="88358"/>
+          </a:xfrm>
+          <a:prstGeom prst="flowChartConnector">
+            <a:avLst/>
+          </a:prstGeom>
+          <a:solidFill>
+            <a:srgbClr val="FF0000"/>
+          </a:solidFill>
+          <a:ln>
+            <a:solidFill>
+              <a:schemeClr val="tx1"/>
+            </a:solidFill>
+          </a:ln>
+        </p:spPr>
+        <p:style>
+          <a:lnRef idx="2">
+            <a:schemeClr val="accent1">
+              <a:shade val="50000"/>
+            </a:schemeClr>
+          </a:lnRef>
+          <a:fillRef idx="1">
+            <a:schemeClr val="accent1"/>
+          </a:fillRef>
+          <a:effectRef idx="0">
+            <a:schemeClr val="accent1"/>
+          </a:effectRef>
+          <a:fontRef idx="minor">
+            <a:schemeClr val="lt1"/>
+          </a:fontRef>
+        </p:style>
+        <p:txBody>
+          <a:bodyPr rtlCol="0" anchor="ctr"/>
+          <a:lstStyle/>
+          <a:p>
+            <a:pPr algn="ctr"/>
+            <a:endParaRPr lang="fr-CH"/>
+          </a:p>
+        </p:txBody>
+      </p:sp>
+      <p:sp>
+        <p:nvSpPr>
+          <p:cNvPr id="91" name="Flowchart: Connector 90">
+            <a:extLst>
+              <a:ext uri="{FF2B5EF4-FFF2-40B4-BE49-F238E27FC236}">
+                <a16:creationId xmlns:a16="http://schemas.microsoft.com/office/drawing/2014/main" id="{A9C75608-8734-4117-A76D-B200DF0594ED}"/>
+              </a:ext>
+            </a:extLst>
+          </p:cNvPr>
+          <p:cNvSpPr/>
+          <p:nvPr/>
+        </p:nvSpPr>
+        <p:spPr>
+          <a:xfrm rot="787897">
+            <a:off x="3586383" y="5375880"/>
+            <a:ext cx="86517" cy="88358"/>
+          </a:xfrm>
+          <a:prstGeom prst="flowChartConnector">
+            <a:avLst/>
+          </a:prstGeom>
+          <a:solidFill>
+            <a:srgbClr val="FF0000"/>
+          </a:solidFill>
+          <a:ln>
+            <a:solidFill>
+              <a:schemeClr val="tx1"/>
+            </a:solidFill>
+          </a:ln>
+        </p:spPr>
+        <p:style>
+          <a:lnRef idx="2">
+            <a:schemeClr val="accent1">
+              <a:shade val="50000"/>
+            </a:schemeClr>
+          </a:lnRef>
+          <a:fillRef idx="1">
+            <a:schemeClr val="accent1"/>
+          </a:fillRef>
+          <a:effectRef idx="0">
+            <a:schemeClr val="accent1"/>
+          </a:effectRef>
+          <a:fontRef idx="minor">
+            <a:schemeClr val="lt1"/>
+          </a:fontRef>
+        </p:style>
+        <p:txBody>
+          <a:bodyPr rtlCol="0" anchor="ctr"/>
+          <a:lstStyle/>
+          <a:p>
+            <a:pPr algn="ctr"/>
+            <a:endParaRPr lang="fr-CH"/>
+          </a:p>
+        </p:txBody>
+      </p:sp>
+      <p:sp>
+        <p:nvSpPr>
+          <p:cNvPr id="92" name="Flowchart: Connector 91">
+            <a:extLst>
+              <a:ext uri="{FF2B5EF4-FFF2-40B4-BE49-F238E27FC236}">
+                <a16:creationId xmlns:a16="http://schemas.microsoft.com/office/drawing/2014/main" id="{664488F2-4D62-4B7F-A58F-5A11D5843687}"/>
+              </a:ext>
+            </a:extLst>
+          </p:cNvPr>
+          <p:cNvSpPr/>
+          <p:nvPr/>
+        </p:nvSpPr>
+        <p:spPr>
+          <a:xfrm rot="787897">
+            <a:off x="4338853" y="5421880"/>
+            <a:ext cx="86517" cy="88358"/>
+          </a:xfrm>
+          <a:prstGeom prst="flowChartConnector">
+            <a:avLst/>
+          </a:prstGeom>
+          <a:solidFill>
+            <a:srgbClr val="FF0000"/>
+          </a:solidFill>
+          <a:ln>
+            <a:solidFill>
+              <a:schemeClr val="tx1"/>
+            </a:solidFill>
+          </a:ln>
+        </p:spPr>
+        <p:style>
+          <a:lnRef idx="2">
+            <a:schemeClr val="accent1">
+              <a:shade val="50000"/>
+            </a:schemeClr>
+          </a:lnRef>
+          <a:fillRef idx="1">
+            <a:schemeClr val="accent1"/>
+          </a:fillRef>
+          <a:effectRef idx="0">
+            <a:schemeClr val="accent1"/>
+          </a:effectRef>
+          <a:fontRef idx="minor">
+            <a:schemeClr val="lt1"/>
+          </a:fontRef>
+        </p:style>
+        <p:txBody>
+          <a:bodyPr rtlCol="0" anchor="ctr"/>
+          <a:lstStyle/>
+          <a:p>
+            <a:pPr algn="ctr"/>
+            <a:endParaRPr lang="fr-CH"/>
+          </a:p>
+        </p:txBody>
+      </p:sp>
+      <p:sp>
+        <p:nvSpPr>
+          <p:cNvPr id="93" name="Flowchart: Connector 92">
+            <a:extLst>
+              <a:ext uri="{FF2B5EF4-FFF2-40B4-BE49-F238E27FC236}">
+                <a16:creationId xmlns:a16="http://schemas.microsoft.com/office/drawing/2014/main" id="{47FF9EDC-6A81-48C2-B038-88F7397BB4A1}"/>
+              </a:ext>
+            </a:extLst>
+          </p:cNvPr>
+          <p:cNvSpPr/>
+          <p:nvPr/>
+        </p:nvSpPr>
+        <p:spPr>
+          <a:xfrm rot="787897">
+            <a:off x="3894884" y="5429781"/>
+            <a:ext cx="86517" cy="88358"/>
+          </a:xfrm>
+          <a:prstGeom prst="flowChartConnector">
+            <a:avLst/>
+          </a:prstGeom>
+          <a:solidFill>
+            <a:srgbClr val="FF0000"/>
+          </a:solidFill>
+          <a:ln>
+            <a:solidFill>
+              <a:schemeClr val="tx1"/>
+            </a:solidFill>
+          </a:ln>
+        </p:spPr>
+        <p:style>
+          <a:lnRef idx="2">
+            <a:schemeClr val="accent1">
+              <a:shade val="50000"/>
+            </a:schemeClr>
+          </a:lnRef>
+          <a:fillRef idx="1">
+            <a:schemeClr val="accent1"/>
+          </a:fillRef>
+          <a:effectRef idx="0">
+            <a:schemeClr val="accent1"/>
+          </a:effectRef>
+          <a:fontRef idx="minor">
+            <a:schemeClr val="lt1"/>
+          </a:fontRef>
+        </p:style>
+        <p:txBody>
+          <a:bodyPr rtlCol="0" anchor="ctr"/>
+          <a:lstStyle/>
+          <a:p>
+            <a:pPr algn="ctr"/>
+            <a:endParaRPr lang="fr-CH"/>
+          </a:p>
+        </p:txBody>
+      </p:sp>
+      <p:sp>
+        <p:nvSpPr>
+          <p:cNvPr id="94" name="Flowchart: Connector 93">
+            <a:extLst>
+              <a:ext uri="{FF2B5EF4-FFF2-40B4-BE49-F238E27FC236}">
+                <a16:creationId xmlns:a16="http://schemas.microsoft.com/office/drawing/2014/main" id="{08187202-4BD9-4A5D-82CC-AE7760592247}"/>
+              </a:ext>
+            </a:extLst>
+          </p:cNvPr>
+          <p:cNvSpPr/>
+          <p:nvPr/>
+        </p:nvSpPr>
+        <p:spPr>
+          <a:xfrm rot="787897">
+            <a:off x="4160127" y="5393723"/>
+            <a:ext cx="86517" cy="88358"/>
+          </a:xfrm>
+          <a:prstGeom prst="flowChartConnector">
+            <a:avLst/>
+          </a:prstGeom>
+          <a:solidFill>
+            <a:srgbClr val="FF0000"/>
+          </a:solidFill>
+          <a:ln>
+            <a:solidFill>
+              <a:schemeClr val="tx1"/>
+            </a:solidFill>
+          </a:ln>
+        </p:spPr>
+        <p:style>
+          <a:lnRef idx="2">
+            <a:schemeClr val="accent1">
+              <a:shade val="50000"/>
+            </a:schemeClr>
+          </a:lnRef>
+          <a:fillRef idx="1">
+            <a:schemeClr val="accent1"/>
+          </a:fillRef>
+          <a:effectRef idx="0">
+            <a:schemeClr val="accent1"/>
+          </a:effectRef>
+          <a:fontRef idx="minor">
+            <a:schemeClr val="lt1"/>
+          </a:fontRef>
+        </p:style>
+        <p:txBody>
+          <a:bodyPr rtlCol="0" anchor="ctr"/>
+          <a:lstStyle/>
+          <a:p>
+            <a:pPr algn="ctr"/>
+            <a:endParaRPr lang="fr-CH"/>
+          </a:p>
+        </p:txBody>
+      </p:sp>
+      <p:sp>
+        <p:nvSpPr>
+          <p:cNvPr id="95" name="Flowchart: Connector 94">
+            <a:extLst>
+              <a:ext uri="{FF2B5EF4-FFF2-40B4-BE49-F238E27FC236}">
+                <a16:creationId xmlns:a16="http://schemas.microsoft.com/office/drawing/2014/main" id="{5AEAA1E1-6B4D-4C7A-984C-7FFF5926A13F}"/>
+              </a:ext>
+            </a:extLst>
+          </p:cNvPr>
+          <p:cNvSpPr/>
+          <p:nvPr/>
+        </p:nvSpPr>
+        <p:spPr>
+          <a:xfrm rot="787897">
+            <a:off x="2224376" y="5622900"/>
+            <a:ext cx="86517" cy="88358"/>
+          </a:xfrm>
+          <a:prstGeom prst="flowChartConnector">
+            <a:avLst/>
+          </a:prstGeom>
+          <a:solidFill>
+            <a:srgbClr val="FF0000"/>
+          </a:solidFill>
+          <a:ln>
+            <a:solidFill>
+              <a:schemeClr val="tx1"/>
+            </a:solidFill>
+          </a:ln>
+        </p:spPr>
+        <p:style>
+          <a:lnRef idx="2">
+            <a:schemeClr val="accent1">
+              <a:shade val="50000"/>
+            </a:schemeClr>
+          </a:lnRef>
+          <a:fillRef idx="1">
+            <a:schemeClr val="accent1"/>
+          </a:fillRef>
+          <a:effectRef idx="0">
+            <a:schemeClr val="accent1"/>
+          </a:effectRef>
+          <a:fontRef idx="minor">
+            <a:schemeClr val="lt1"/>
+          </a:fontRef>
+        </p:style>
+        <p:txBody>
+          <a:bodyPr rtlCol="0" anchor="ctr"/>
+          <a:lstStyle/>
+          <a:p>
+            <a:pPr algn="ctr"/>
+            <a:endParaRPr lang="fr-CH"/>
+          </a:p>
+        </p:txBody>
+      </p:sp>
+      <p:sp>
+        <p:nvSpPr>
+          <p:cNvPr id="96" name="Flowchart: Connector 95">
+            <a:extLst>
+              <a:ext uri="{FF2B5EF4-FFF2-40B4-BE49-F238E27FC236}">
+                <a16:creationId xmlns:a16="http://schemas.microsoft.com/office/drawing/2014/main" id="{7B27CA74-22E5-4424-AC56-CAAB72C77043}"/>
+              </a:ext>
+            </a:extLst>
+          </p:cNvPr>
+          <p:cNvSpPr/>
+          <p:nvPr/>
+        </p:nvSpPr>
+        <p:spPr>
+          <a:xfrm rot="787897">
+            <a:off x="2937124" y="5364809"/>
+            <a:ext cx="86517" cy="88358"/>
+          </a:xfrm>
+          <a:prstGeom prst="flowChartConnector">
+            <a:avLst/>
+          </a:prstGeom>
+          <a:solidFill>
+            <a:srgbClr val="FF0000"/>
+          </a:solidFill>
+          <a:ln>
+            <a:solidFill>
+              <a:schemeClr val="tx1"/>
+            </a:solidFill>
+          </a:ln>
+        </p:spPr>
+        <p:style>
+          <a:lnRef idx="2">
+            <a:schemeClr val="accent1">
+              <a:shade val="50000"/>
+            </a:schemeClr>
+          </a:lnRef>
+          <a:fillRef idx="1">
+            <a:schemeClr val="accent1"/>
+          </a:fillRef>
+          <a:effectRef idx="0">
+            <a:schemeClr val="accent1"/>
+          </a:effectRef>
+          <a:fontRef idx="minor">
+            <a:schemeClr val="lt1"/>
+          </a:fontRef>
+        </p:style>
+        <p:txBody>
+          <a:bodyPr rtlCol="0" anchor="ctr"/>
+          <a:lstStyle/>
+          <a:p>
+            <a:pPr algn="ctr"/>
+            <a:endParaRPr lang="fr-CH"/>
+          </a:p>
+        </p:txBody>
+      </p:sp>
+      <p:sp>
+        <p:nvSpPr>
+          <p:cNvPr id="97" name="Flowchart: Connector 96">
+            <a:extLst>
+              <a:ext uri="{FF2B5EF4-FFF2-40B4-BE49-F238E27FC236}">
+                <a16:creationId xmlns:a16="http://schemas.microsoft.com/office/drawing/2014/main" id="{2F7CB31A-95B0-432C-A12F-C50582B43274}"/>
+              </a:ext>
+            </a:extLst>
+          </p:cNvPr>
+          <p:cNvSpPr/>
+          <p:nvPr/>
+        </p:nvSpPr>
+        <p:spPr>
+          <a:xfrm rot="787897">
+            <a:off x="2536413" y="5364809"/>
+            <a:ext cx="86517" cy="88358"/>
+          </a:xfrm>
+          <a:prstGeom prst="flowChartConnector">
+            <a:avLst/>
+          </a:prstGeom>
+          <a:solidFill>
+            <a:srgbClr val="FF0000"/>
+          </a:solidFill>
+          <a:ln>
+            <a:solidFill>
+              <a:schemeClr val="tx1"/>
+            </a:solidFill>
+          </a:ln>
+        </p:spPr>
+        <p:style>
+          <a:lnRef idx="2">
+            <a:schemeClr val="accent1">
+              <a:shade val="50000"/>
+            </a:schemeClr>
+          </a:lnRef>
+          <a:fillRef idx="1">
+            <a:schemeClr val="accent1"/>
+          </a:fillRef>
+          <a:effectRef idx="0">
+            <a:schemeClr val="accent1"/>
+          </a:effectRef>
+          <a:fontRef idx="minor">
+            <a:schemeClr val="lt1"/>
+          </a:fontRef>
+        </p:style>
+        <p:txBody>
+          <a:bodyPr rtlCol="0" anchor="ctr"/>
+          <a:lstStyle/>
+          <a:p>
+            <a:pPr algn="ctr"/>
+            <a:endParaRPr lang="fr-CH"/>
+          </a:p>
+        </p:txBody>
+      </p:sp>
+      <p:sp>
+        <p:nvSpPr>
+          <p:cNvPr id="98" name="Flowchart: Connector 97">
+            <a:extLst>
+              <a:ext uri="{FF2B5EF4-FFF2-40B4-BE49-F238E27FC236}">
+                <a16:creationId xmlns:a16="http://schemas.microsoft.com/office/drawing/2014/main" id="{528AE11F-501D-4347-9621-8D70E819BC5C}"/>
+              </a:ext>
+            </a:extLst>
+          </p:cNvPr>
+          <p:cNvSpPr/>
+          <p:nvPr/>
+        </p:nvSpPr>
+        <p:spPr>
+          <a:xfrm rot="787897">
+            <a:off x="4536343" y="5393723"/>
+            <a:ext cx="86517" cy="88358"/>
+          </a:xfrm>
+          <a:prstGeom prst="flowChartConnector">
+            <a:avLst/>
+          </a:prstGeom>
+          <a:solidFill>
+            <a:srgbClr val="FF0000"/>
+          </a:solidFill>
+          <a:ln>
+            <a:solidFill>
+              <a:schemeClr val="tx1"/>
+            </a:solidFill>
+          </a:ln>
+        </p:spPr>
+        <p:style>
+          <a:lnRef idx="2">
+            <a:schemeClr val="accent1">
+              <a:shade val="50000"/>
+            </a:schemeClr>
+          </a:lnRef>
+          <a:fillRef idx="1">
+            <a:schemeClr val="accent1"/>
+          </a:fillRef>
+          <a:effectRef idx="0">
+            <a:schemeClr val="accent1"/>
+          </a:effectRef>
+          <a:fontRef idx="minor">
+            <a:schemeClr val="lt1"/>
+          </a:fontRef>
+        </p:style>
+        <p:txBody>
+          <a:bodyPr rtlCol="0" anchor="ctr"/>
+          <a:lstStyle/>
+          <a:p>
+            <a:pPr algn="ctr"/>
+            <a:endParaRPr lang="fr-CH"/>
+          </a:p>
+        </p:txBody>
+      </p:sp>
+      <p:sp>
+        <p:nvSpPr>
+          <p:cNvPr id="99" name="Flowchart: Connector 98">
+            <a:extLst>
+              <a:ext uri="{FF2B5EF4-FFF2-40B4-BE49-F238E27FC236}">
+                <a16:creationId xmlns:a16="http://schemas.microsoft.com/office/drawing/2014/main" id="{53140980-F670-49A7-B6B5-411C51B85554}"/>
+              </a:ext>
+            </a:extLst>
+          </p:cNvPr>
+          <p:cNvSpPr/>
+          <p:nvPr/>
+        </p:nvSpPr>
+        <p:spPr>
+          <a:xfrm rot="787897">
+            <a:off x="2355583" y="5508696"/>
+            <a:ext cx="86517" cy="88358"/>
+          </a:xfrm>
+          <a:prstGeom prst="flowChartConnector">
+            <a:avLst/>
+          </a:prstGeom>
+          <a:solidFill>
+            <a:srgbClr val="FF0000"/>
+          </a:solidFill>
+          <a:ln>
+            <a:solidFill>
+              <a:schemeClr val="tx1"/>
+            </a:solidFill>
+          </a:ln>
+        </p:spPr>
+        <p:style>
+          <a:lnRef idx="2">
+            <a:schemeClr val="accent1">
+              <a:shade val="50000"/>
+            </a:schemeClr>
+          </a:lnRef>
+          <a:fillRef idx="1">
+            <a:schemeClr val="accent1"/>
+          </a:fillRef>
+          <a:effectRef idx="0">
+            <a:schemeClr val="accent1"/>
+          </a:effectRef>
+          <a:fontRef idx="minor">
+            <a:schemeClr val="lt1"/>
+          </a:fontRef>
+        </p:style>
+        <p:txBody>
+          <a:bodyPr rtlCol="0" anchor="ctr"/>
+          <a:lstStyle/>
+          <a:p>
+            <a:pPr algn="ctr"/>
+            <a:endParaRPr lang="fr-CH"/>
+          </a:p>
+        </p:txBody>
+      </p:sp>
+      <p:sp>
+        <p:nvSpPr>
+          <p:cNvPr id="100" name="Flowchart: Connector 99">
+            <a:extLst>
+              <a:ext uri="{FF2B5EF4-FFF2-40B4-BE49-F238E27FC236}">
+                <a16:creationId xmlns:a16="http://schemas.microsoft.com/office/drawing/2014/main" id="{717F13D9-2D83-42F1-8580-6354ABD47D1F}"/>
+              </a:ext>
+            </a:extLst>
+          </p:cNvPr>
+          <p:cNvSpPr/>
+          <p:nvPr/>
+        </p:nvSpPr>
+        <p:spPr>
+          <a:xfrm rot="787897">
+            <a:off x="3299287" y="5320630"/>
+            <a:ext cx="86517" cy="88358"/>
+          </a:xfrm>
+          <a:prstGeom prst="flowChartConnector">
+            <a:avLst/>
+          </a:prstGeom>
+          <a:solidFill>
+            <a:srgbClr val="FF0000"/>
+          </a:solidFill>
+          <a:ln>
+            <a:solidFill>
+              <a:schemeClr val="tx1"/>
+            </a:solidFill>
+          </a:ln>
+        </p:spPr>
+        <p:style>
+          <a:lnRef idx="2">
+            <a:schemeClr val="accent1">
+              <a:shade val="50000"/>
+            </a:schemeClr>
+          </a:lnRef>
+          <a:fillRef idx="1">
+            <a:schemeClr val="accent1"/>
+          </a:fillRef>
+          <a:effectRef idx="0">
+            <a:schemeClr val="accent1"/>
+          </a:effectRef>
+          <a:fontRef idx="minor">
+            <a:schemeClr val="lt1"/>
+          </a:fontRef>
+        </p:style>
+        <p:txBody>
+          <a:bodyPr rtlCol="0" anchor="ctr"/>
+          <a:lstStyle/>
+          <a:p>
+            <a:pPr algn="ctr"/>
+            <a:endParaRPr lang="fr-CH"/>
+          </a:p>
+        </p:txBody>
+      </p:sp>
+      <p:sp>
+        <p:nvSpPr>
+          <p:cNvPr id="101" name="Flowchart: Connector 100">
+            <a:extLst>
+              <a:ext uri="{FF2B5EF4-FFF2-40B4-BE49-F238E27FC236}">
+                <a16:creationId xmlns:a16="http://schemas.microsoft.com/office/drawing/2014/main" id="{09A2F5B4-E954-4EE9-BFC6-E24F9DFC3FF2}"/>
+              </a:ext>
+            </a:extLst>
+          </p:cNvPr>
+          <p:cNvSpPr/>
+          <p:nvPr/>
+        </p:nvSpPr>
+        <p:spPr>
+          <a:xfrm rot="787897">
+            <a:off x="2314504" y="5739762"/>
+            <a:ext cx="86517" cy="88358"/>
+          </a:xfrm>
+          <a:prstGeom prst="flowChartConnector">
+            <a:avLst/>
+          </a:prstGeom>
+          <a:solidFill>
+            <a:srgbClr val="FF0000"/>
+          </a:solidFill>
+          <a:ln>
+            <a:solidFill>
+              <a:schemeClr val="tx1"/>
+            </a:solidFill>
+          </a:ln>
+        </p:spPr>
+        <p:style>
+          <a:lnRef idx="2">
+            <a:schemeClr val="accent1">
+              <a:shade val="50000"/>
+            </a:schemeClr>
+          </a:lnRef>
+          <a:fillRef idx="1">
+            <a:schemeClr val="accent1"/>
+          </a:fillRef>
+          <a:effectRef idx="0">
+            <a:schemeClr val="accent1"/>
+          </a:effectRef>
+          <a:fontRef idx="minor">
+            <a:schemeClr val="lt1"/>
+          </a:fontRef>
+        </p:style>
+        <p:txBody>
+          <a:bodyPr rtlCol="0" anchor="ctr"/>
+          <a:lstStyle/>
+          <a:p>
+            <a:pPr algn="ctr"/>
+            <a:endParaRPr lang="fr-CH"/>
+          </a:p>
+        </p:txBody>
+      </p:sp>
+      <p:sp>
+        <p:nvSpPr>
+          <p:cNvPr id="102" name="Flowchart: Connector 101">
+            <a:extLst>
+              <a:ext uri="{FF2B5EF4-FFF2-40B4-BE49-F238E27FC236}">
+                <a16:creationId xmlns:a16="http://schemas.microsoft.com/office/drawing/2014/main" id="{958EE1D2-DEB8-4819-AAE0-238C545A99FE}"/>
+              </a:ext>
+            </a:extLst>
+          </p:cNvPr>
+          <p:cNvSpPr/>
+          <p:nvPr/>
+        </p:nvSpPr>
+        <p:spPr>
+          <a:xfrm rot="787897">
+            <a:off x="2536412" y="5828120"/>
+            <a:ext cx="86517" cy="88358"/>
+          </a:xfrm>
+          <a:prstGeom prst="flowChartConnector">
+            <a:avLst/>
+          </a:prstGeom>
+          <a:solidFill>
+            <a:srgbClr val="FF0000"/>
+          </a:solidFill>
+          <a:ln>
+            <a:solidFill>
+              <a:schemeClr val="tx1"/>
+            </a:solidFill>
+          </a:ln>
+        </p:spPr>
+        <p:style>
+          <a:lnRef idx="2">
+            <a:schemeClr val="accent1">
+              <a:shade val="50000"/>
+            </a:schemeClr>
+          </a:lnRef>
+          <a:fillRef idx="1">
+            <a:schemeClr val="accent1"/>
+          </a:fillRef>
+          <a:effectRef idx="0">
+            <a:schemeClr val="accent1"/>
+          </a:effectRef>
+          <a:fontRef idx="minor">
+            <a:schemeClr val="lt1"/>
+          </a:fontRef>
+        </p:style>
+        <p:txBody>
+          <a:bodyPr rtlCol="0" anchor="ctr"/>
+          <a:lstStyle/>
+          <a:p>
+            <a:pPr algn="ctr"/>
+            <a:endParaRPr lang="fr-CH"/>
+          </a:p>
+        </p:txBody>
+      </p:sp>
+      <p:sp>
+        <p:nvSpPr>
+          <p:cNvPr id="103" name="Flowchart: Connector 102">
+            <a:extLst>
+              <a:ext uri="{FF2B5EF4-FFF2-40B4-BE49-F238E27FC236}">
+                <a16:creationId xmlns:a16="http://schemas.microsoft.com/office/drawing/2014/main" id="{505E6DA2-0ECF-4642-9DDB-3EE48E9ACF34}"/>
+              </a:ext>
+            </a:extLst>
+          </p:cNvPr>
+          <p:cNvSpPr/>
+          <p:nvPr/>
+        </p:nvSpPr>
+        <p:spPr>
+          <a:xfrm rot="787897">
+            <a:off x="2900148" y="5850857"/>
+            <a:ext cx="86517" cy="88358"/>
+          </a:xfrm>
+          <a:prstGeom prst="flowChartConnector">
+            <a:avLst/>
+          </a:prstGeom>
+          <a:solidFill>
+            <a:srgbClr val="FF0000"/>
+          </a:solidFill>
+          <a:ln>
+            <a:solidFill>
+              <a:schemeClr val="tx1"/>
+            </a:solidFill>
+          </a:ln>
+        </p:spPr>
+        <p:style>
+          <a:lnRef idx="2">
+            <a:schemeClr val="accent1">
+              <a:shade val="50000"/>
+            </a:schemeClr>
+          </a:lnRef>
+          <a:fillRef idx="1">
+            <a:schemeClr val="accent1"/>
+          </a:fillRef>
+          <a:effectRef idx="0">
+            <a:schemeClr val="accent1"/>
+          </a:effectRef>
+          <a:fontRef idx="minor">
+            <a:schemeClr val="lt1"/>
+          </a:fontRef>
+        </p:style>
+        <p:txBody>
+          <a:bodyPr rtlCol="0" anchor="ctr"/>
+          <a:lstStyle/>
+          <a:p>
+            <a:pPr algn="ctr"/>
+            <a:endParaRPr lang="fr-CH"/>
+          </a:p>
+        </p:txBody>
+      </p:sp>
+      <p:sp>
+        <p:nvSpPr>
+          <p:cNvPr id="104" name="Flowchart: Connector 103">
+            <a:extLst>
+              <a:ext uri="{FF2B5EF4-FFF2-40B4-BE49-F238E27FC236}">
+                <a16:creationId xmlns:a16="http://schemas.microsoft.com/office/drawing/2014/main" id="{323C9781-6215-4096-A11C-448B8294B432}"/>
+              </a:ext>
+            </a:extLst>
+          </p:cNvPr>
+          <p:cNvSpPr/>
+          <p:nvPr/>
+        </p:nvSpPr>
+        <p:spPr>
+          <a:xfrm rot="787897">
+            <a:off x="3822996" y="5745250"/>
+            <a:ext cx="86517" cy="88358"/>
+          </a:xfrm>
+          <a:prstGeom prst="flowChartConnector">
+            <a:avLst/>
+          </a:prstGeom>
+          <a:solidFill>
+            <a:srgbClr val="FF0000"/>
+          </a:solidFill>
+          <a:ln>
+            <a:solidFill>
+              <a:schemeClr val="tx1"/>
+            </a:solidFill>
+          </a:ln>
+        </p:spPr>
+        <p:style>
+          <a:lnRef idx="2">
+            <a:schemeClr val="accent1">
+              <a:shade val="50000"/>
+            </a:schemeClr>
+          </a:lnRef>
+          <a:fillRef idx="1">
+            <a:schemeClr val="accent1"/>
+          </a:fillRef>
+          <a:effectRef idx="0">
+            <a:schemeClr val="accent1"/>
+          </a:effectRef>
+          <a:fontRef idx="minor">
+            <a:schemeClr val="lt1"/>
+          </a:fontRef>
+        </p:style>
+        <p:txBody>
+          <a:bodyPr rtlCol="0" anchor="ctr"/>
+          <a:lstStyle/>
+          <a:p>
+            <a:pPr algn="ctr"/>
+            <a:endParaRPr lang="fr-CH"/>
+          </a:p>
+        </p:txBody>
+      </p:sp>
+      <p:sp>
+        <p:nvSpPr>
+          <p:cNvPr id="105" name="Flowchart: Connector 104">
+            <a:extLst>
+              <a:ext uri="{FF2B5EF4-FFF2-40B4-BE49-F238E27FC236}">
+                <a16:creationId xmlns:a16="http://schemas.microsoft.com/office/drawing/2014/main" id="{9D4A4ADE-530A-4C28-948D-227D09C5920C}"/>
+              </a:ext>
+            </a:extLst>
+          </p:cNvPr>
+          <p:cNvSpPr/>
+          <p:nvPr/>
+        </p:nvSpPr>
+        <p:spPr>
+          <a:xfrm rot="787897">
+            <a:off x="3198510" y="5916478"/>
+            <a:ext cx="86517" cy="88358"/>
+          </a:xfrm>
+          <a:prstGeom prst="flowChartConnector">
+            <a:avLst/>
+          </a:prstGeom>
+          <a:solidFill>
+            <a:srgbClr val="FF0000"/>
+          </a:solidFill>
+          <a:ln>
+            <a:solidFill>
+              <a:schemeClr val="tx1"/>
+            </a:solidFill>
+          </a:ln>
+        </p:spPr>
+        <p:style>
+          <a:lnRef idx="2">
+            <a:schemeClr val="accent1">
+              <a:shade val="50000"/>
+            </a:schemeClr>
+          </a:lnRef>
+          <a:fillRef idx="1">
+            <a:schemeClr val="accent1"/>
+          </a:fillRef>
+          <a:effectRef idx="0">
+            <a:schemeClr val="accent1"/>
+          </a:effectRef>
+          <a:fontRef idx="minor">
+            <a:schemeClr val="lt1"/>
+          </a:fontRef>
+        </p:style>
+        <p:txBody>
+          <a:bodyPr rtlCol="0" anchor="ctr"/>
+          <a:lstStyle/>
+          <a:p>
+            <a:pPr algn="ctr"/>
+            <a:endParaRPr lang="fr-CH"/>
+          </a:p>
+        </p:txBody>
+      </p:sp>
+      <p:sp>
+        <p:nvSpPr>
+          <p:cNvPr id="106" name="Flowchart: Connector 105">
+            <a:extLst>
+              <a:ext uri="{FF2B5EF4-FFF2-40B4-BE49-F238E27FC236}">
+                <a16:creationId xmlns:a16="http://schemas.microsoft.com/office/drawing/2014/main" id="{40C97955-0EDC-47C9-B2E8-F8FDF5FE2444}"/>
+              </a:ext>
+            </a:extLst>
+          </p:cNvPr>
+          <p:cNvSpPr/>
+          <p:nvPr/>
+        </p:nvSpPr>
+        <p:spPr>
+          <a:xfrm rot="787897">
+            <a:off x="3629641" y="5774297"/>
+            <a:ext cx="86517" cy="88358"/>
+          </a:xfrm>
+          <a:prstGeom prst="flowChartConnector">
+            <a:avLst/>
+          </a:prstGeom>
+          <a:solidFill>
+            <a:srgbClr val="FF0000"/>
+          </a:solidFill>
+          <a:ln>
+            <a:solidFill>
+              <a:schemeClr val="tx1"/>
+            </a:solidFill>
+          </a:ln>
+        </p:spPr>
+        <p:style>
+          <a:lnRef idx="2">
+            <a:schemeClr val="accent1">
+              <a:shade val="50000"/>
+            </a:schemeClr>
+          </a:lnRef>
+          <a:fillRef idx="1">
+            <a:schemeClr val="accent1"/>
+          </a:fillRef>
+          <a:effectRef idx="0">
+            <a:schemeClr val="accent1"/>
+          </a:effectRef>
+          <a:fontRef idx="minor">
+            <a:schemeClr val="lt1"/>
+          </a:fontRef>
+        </p:style>
+        <p:txBody>
+          <a:bodyPr rtlCol="0" anchor="ctr"/>
+          <a:lstStyle/>
+          <a:p>
+            <a:pPr algn="ctr"/>
+            <a:endParaRPr lang="fr-CH"/>
+          </a:p>
+        </p:txBody>
+      </p:sp>
+      <p:sp>
+        <p:nvSpPr>
+          <p:cNvPr id="107" name="Flowchart: Connector 106">
+            <a:extLst>
+              <a:ext uri="{FF2B5EF4-FFF2-40B4-BE49-F238E27FC236}">
+                <a16:creationId xmlns:a16="http://schemas.microsoft.com/office/drawing/2014/main" id="{AEC95656-115A-4F12-9DC0-F6F1CCAF72D2}"/>
+              </a:ext>
+            </a:extLst>
+          </p:cNvPr>
+          <p:cNvSpPr/>
+          <p:nvPr/>
+        </p:nvSpPr>
+        <p:spPr>
+          <a:xfrm rot="787897">
+            <a:off x="4447994" y="5710658"/>
+            <a:ext cx="86517" cy="88358"/>
+          </a:xfrm>
+          <a:prstGeom prst="flowChartConnector">
+            <a:avLst/>
+          </a:prstGeom>
+          <a:solidFill>
+            <a:srgbClr val="FF0000"/>
+          </a:solidFill>
+          <a:ln>
+            <a:solidFill>
+              <a:schemeClr val="tx1"/>
+            </a:solidFill>
+          </a:ln>
+        </p:spPr>
+        <p:style>
+          <a:lnRef idx="2">
+            <a:schemeClr val="accent1">
+              <a:shade val="50000"/>
+            </a:schemeClr>
+          </a:lnRef>
+          <a:fillRef idx="1">
+            <a:schemeClr val="accent1"/>
+          </a:fillRef>
+          <a:effectRef idx="0">
+            <a:schemeClr val="accent1"/>
+          </a:effectRef>
+          <a:fontRef idx="minor">
+            <a:schemeClr val="lt1"/>
+          </a:fontRef>
+        </p:style>
+        <p:txBody>
+          <a:bodyPr rtlCol="0" anchor="ctr"/>
+          <a:lstStyle/>
+          <a:p>
+            <a:pPr algn="ctr"/>
+            <a:endParaRPr lang="fr-CH"/>
+          </a:p>
+        </p:txBody>
+      </p:sp>
+      <p:sp>
+        <p:nvSpPr>
+          <p:cNvPr id="108" name="Flowchart: Connector 107">
+            <a:extLst>
+              <a:ext uri="{FF2B5EF4-FFF2-40B4-BE49-F238E27FC236}">
+                <a16:creationId xmlns:a16="http://schemas.microsoft.com/office/drawing/2014/main" id="{42EF9805-85E6-48A7-9256-D261E3F10EC5}"/>
+              </a:ext>
+            </a:extLst>
+          </p:cNvPr>
+          <p:cNvSpPr/>
+          <p:nvPr/>
+        </p:nvSpPr>
+        <p:spPr>
+          <a:xfrm rot="787897">
+            <a:off x="3426407" y="5385602"/>
+            <a:ext cx="86517" cy="88358"/>
+          </a:xfrm>
+          <a:prstGeom prst="flowChartConnector">
+            <a:avLst/>
+          </a:prstGeom>
+          <a:solidFill>
+            <a:srgbClr val="FF0000"/>
+          </a:solidFill>
+          <a:ln>
+            <a:solidFill>
+              <a:schemeClr val="tx1"/>
+            </a:solidFill>
+          </a:ln>
+        </p:spPr>
+        <p:style>
+          <a:lnRef idx="2">
+            <a:schemeClr val="accent1">
+              <a:shade val="50000"/>
+            </a:schemeClr>
+          </a:lnRef>
+          <a:fillRef idx="1">
+            <a:schemeClr val="accent1"/>
+          </a:fillRef>
+          <a:effectRef idx="0">
+            <a:schemeClr val="accent1"/>
+          </a:effectRef>
+          <a:fontRef idx="minor">
+            <a:schemeClr val="lt1"/>
+          </a:fontRef>
+        </p:style>
+        <p:txBody>
+          <a:bodyPr rtlCol="0" anchor="ctr"/>
+          <a:lstStyle/>
+          <a:p>
+            <a:pPr algn="ctr"/>
+            <a:endParaRPr lang="fr-CH"/>
+          </a:p>
+        </p:txBody>
+      </p:sp>
+      <p:sp>
+        <p:nvSpPr>
+          <p:cNvPr id="109" name="Flowchart: Connector 108">
+            <a:extLst>
+              <a:ext uri="{FF2B5EF4-FFF2-40B4-BE49-F238E27FC236}">
+                <a16:creationId xmlns:a16="http://schemas.microsoft.com/office/drawing/2014/main" id="{A9256E6D-BC1A-46F9-B10E-38F69902462A}"/>
+              </a:ext>
+            </a:extLst>
+          </p:cNvPr>
+          <p:cNvSpPr/>
+          <p:nvPr/>
+        </p:nvSpPr>
+        <p:spPr>
+          <a:xfrm rot="787897">
+            <a:off x="2224375" y="5693639"/>
+            <a:ext cx="86517" cy="88358"/>
+          </a:xfrm>
+          <a:prstGeom prst="flowChartConnector">
+            <a:avLst/>
+          </a:prstGeom>
+          <a:solidFill>
+            <a:srgbClr val="FF0000"/>
+          </a:solidFill>
+          <a:ln>
+            <a:solidFill>
+              <a:schemeClr val="tx1"/>
+            </a:solidFill>
+          </a:ln>
+        </p:spPr>
+        <p:style>
+          <a:lnRef idx="2">
+            <a:schemeClr val="accent1">
+              <a:shade val="50000"/>
+            </a:schemeClr>
+          </a:lnRef>
+          <a:fillRef idx="1">
+            <a:schemeClr val="accent1"/>
+          </a:fillRef>
+          <a:effectRef idx="0">
+            <a:schemeClr val="accent1"/>
+          </a:effectRef>
+          <a:fontRef idx="minor">
+            <a:schemeClr val="lt1"/>
+          </a:fontRef>
+        </p:style>
+        <p:txBody>
+          <a:bodyPr rtlCol="0" anchor="ctr"/>
+          <a:lstStyle/>
+          <a:p>
+            <a:pPr algn="ctr"/>
+            <a:endParaRPr lang="fr-CH"/>
+          </a:p>
+        </p:txBody>
+      </p:sp>
+      <p:sp>
+        <p:nvSpPr>
+          <p:cNvPr id="110" name="Flowchart: Connector 109">
+            <a:extLst>
+              <a:ext uri="{FF2B5EF4-FFF2-40B4-BE49-F238E27FC236}">
+                <a16:creationId xmlns:a16="http://schemas.microsoft.com/office/drawing/2014/main" id="{BA6AACF9-5204-4076-A373-32AC7411EC57}"/>
+              </a:ext>
+            </a:extLst>
+          </p:cNvPr>
+          <p:cNvSpPr/>
+          <p:nvPr/>
+        </p:nvSpPr>
+        <p:spPr>
+          <a:xfrm rot="787897">
+            <a:off x="3989687" y="5762499"/>
+            <a:ext cx="86517" cy="88358"/>
+          </a:xfrm>
+          <a:prstGeom prst="flowChartConnector">
+            <a:avLst/>
+          </a:prstGeom>
+          <a:solidFill>
+            <a:srgbClr val="FF0000"/>
+          </a:solidFill>
+          <a:ln>
+            <a:solidFill>
+              <a:schemeClr val="tx1"/>
+            </a:solidFill>
+          </a:ln>
+        </p:spPr>
+        <p:style>
+          <a:lnRef idx="2">
+            <a:schemeClr val="accent1">
+              <a:shade val="50000"/>
+            </a:schemeClr>
+          </a:lnRef>
+          <a:fillRef idx="1">
+            <a:schemeClr val="accent1"/>
+          </a:fillRef>
+          <a:effectRef idx="0">
+            <a:schemeClr val="accent1"/>
+          </a:effectRef>
+          <a:fontRef idx="minor">
+            <a:schemeClr val="lt1"/>
+          </a:fontRef>
+        </p:style>
+        <p:txBody>
+          <a:bodyPr rtlCol="0" anchor="ctr"/>
+          <a:lstStyle/>
+          <a:p>
+            <a:pPr algn="ctr"/>
+            <a:endParaRPr lang="fr-CH"/>
+          </a:p>
+        </p:txBody>
+      </p:sp>
+      <p:sp>
+        <p:nvSpPr>
+          <p:cNvPr id="111" name="Flowchart: Connector 110">
+            <a:extLst>
+              <a:ext uri="{FF2B5EF4-FFF2-40B4-BE49-F238E27FC236}">
+                <a16:creationId xmlns:a16="http://schemas.microsoft.com/office/drawing/2014/main" id="{2AFFB99D-AD24-44DB-ACCD-BB7BDC638E6A}"/>
+              </a:ext>
+            </a:extLst>
+          </p:cNvPr>
+          <p:cNvSpPr/>
+          <p:nvPr/>
+        </p:nvSpPr>
+        <p:spPr>
+          <a:xfrm rot="787897">
+            <a:off x="3410355" y="5877417"/>
+            <a:ext cx="86517" cy="88358"/>
+          </a:xfrm>
+          <a:prstGeom prst="flowChartConnector">
+            <a:avLst/>
+          </a:prstGeom>
+          <a:solidFill>
+            <a:srgbClr val="FF0000"/>
+          </a:solidFill>
+          <a:ln>
+            <a:solidFill>
+              <a:schemeClr val="tx1"/>
+            </a:solidFill>
+          </a:ln>
+        </p:spPr>
+        <p:style>
+          <a:lnRef idx="2">
+            <a:schemeClr val="accent1">
+              <a:shade val="50000"/>
+            </a:schemeClr>
+          </a:lnRef>
+          <a:fillRef idx="1">
+            <a:schemeClr val="accent1"/>
+          </a:fillRef>
+          <a:effectRef idx="0">
+            <a:schemeClr val="accent1"/>
+          </a:effectRef>
+          <a:fontRef idx="minor">
+            <a:schemeClr val="lt1"/>
+          </a:fontRef>
+        </p:style>
+        <p:txBody>
+          <a:bodyPr rtlCol="0" anchor="ctr"/>
+          <a:lstStyle/>
+          <a:p>
+            <a:pPr algn="ctr"/>
+            <a:endParaRPr lang="fr-CH"/>
+          </a:p>
+        </p:txBody>
+      </p:sp>
+      <p:sp>
+        <p:nvSpPr>
+          <p:cNvPr id="112" name="Flowchart: Connector 111">
+            <a:extLst>
+              <a:ext uri="{FF2B5EF4-FFF2-40B4-BE49-F238E27FC236}">
+                <a16:creationId xmlns:a16="http://schemas.microsoft.com/office/drawing/2014/main" id="{5AA94ED9-6D67-4E58-8B4B-E402FE0A8E1F}"/>
+              </a:ext>
+            </a:extLst>
+          </p:cNvPr>
+          <p:cNvSpPr/>
+          <p:nvPr/>
+        </p:nvSpPr>
+        <p:spPr>
+          <a:xfrm rot="787897">
+            <a:off x="4175018" y="5724111"/>
+            <a:ext cx="86517" cy="88358"/>
+          </a:xfrm>
+          <a:prstGeom prst="flowChartConnector">
+            <a:avLst/>
+          </a:prstGeom>
+          <a:solidFill>
+            <a:srgbClr val="FF0000"/>
+          </a:solidFill>
+          <a:ln>
+            <a:solidFill>
+              <a:schemeClr val="tx1"/>
+            </a:solidFill>
+          </a:ln>
+        </p:spPr>
+        <p:style>
+          <a:lnRef idx="2">
+            <a:schemeClr val="accent1">
+              <a:shade val="50000"/>
+            </a:schemeClr>
+          </a:lnRef>
+          <a:fillRef idx="1">
+            <a:schemeClr val="accent1"/>
+          </a:fillRef>
+          <a:effectRef idx="0">
+            <a:schemeClr val="accent1"/>
+          </a:effectRef>
+          <a:fontRef idx="minor">
+            <a:schemeClr val="lt1"/>
+          </a:fontRef>
+        </p:style>
+        <p:txBody>
+          <a:bodyPr rtlCol="0" anchor="ctr"/>
+          <a:lstStyle/>
+          <a:p>
+            <a:pPr algn="ctr"/>
+            <a:endParaRPr lang="fr-CH"/>
+          </a:p>
+        </p:txBody>
+      </p:sp>
+      <p:sp>
+        <p:nvSpPr>
+          <p:cNvPr id="113" name="Flowchart: Connector 112">
+            <a:extLst>
+              <a:ext uri="{FF2B5EF4-FFF2-40B4-BE49-F238E27FC236}">
+                <a16:creationId xmlns:a16="http://schemas.microsoft.com/office/drawing/2014/main" id="{53A94A49-2C53-4E97-A045-081CBE19814B}"/>
+              </a:ext>
+            </a:extLst>
+          </p:cNvPr>
+          <p:cNvSpPr/>
+          <p:nvPr/>
+        </p:nvSpPr>
+        <p:spPr>
+          <a:xfrm>
+            <a:off x="5133318" y="4306924"/>
+            <a:ext cx="86517" cy="88358"/>
+          </a:xfrm>
+          <a:prstGeom prst="flowChartConnector">
+            <a:avLst/>
+          </a:prstGeom>
+          <a:solidFill>
+            <a:schemeClr val="tx1"/>
+          </a:solidFill>
+          <a:ln>
+            <a:solidFill>
+              <a:schemeClr val="tx1"/>
+            </a:solidFill>
+          </a:ln>
+        </p:spPr>
+        <p:style>
+          <a:lnRef idx="2">
+            <a:schemeClr val="accent1">
+              <a:shade val="50000"/>
+            </a:schemeClr>
+          </a:lnRef>
+          <a:fillRef idx="1">
+            <a:schemeClr val="accent1"/>
+          </a:fillRef>
+          <a:effectRef idx="0">
+            <a:schemeClr val="accent1"/>
+          </a:effectRef>
+          <a:fontRef idx="minor">
+            <a:schemeClr val="lt1"/>
+          </a:fontRef>
+        </p:style>
+        <p:txBody>
+          <a:bodyPr rtlCol="0" anchor="ctr"/>
+          <a:lstStyle/>
+          <a:p>
+            <a:pPr algn="ctr"/>
+            <a:endParaRPr lang="fr-CH"/>
+          </a:p>
+        </p:txBody>
+      </p:sp>
+      <p:sp>
+        <p:nvSpPr>
+          <p:cNvPr id="114" name="Flowchart: Connector 113">
+            <a:extLst>
+              <a:ext uri="{FF2B5EF4-FFF2-40B4-BE49-F238E27FC236}">
+                <a16:creationId xmlns:a16="http://schemas.microsoft.com/office/drawing/2014/main" id="{15150497-A188-483C-BD86-42429A951892}"/>
+              </a:ext>
+            </a:extLst>
+          </p:cNvPr>
+          <p:cNvSpPr/>
+          <p:nvPr/>
+        </p:nvSpPr>
+        <p:spPr>
+          <a:xfrm>
+            <a:off x="5002111" y="4394312"/>
+            <a:ext cx="86517" cy="88358"/>
+          </a:xfrm>
+          <a:prstGeom prst="flowChartConnector">
+            <a:avLst/>
+          </a:prstGeom>
+          <a:solidFill>
+            <a:schemeClr val="tx1"/>
+          </a:solidFill>
+          <a:ln>
+            <a:solidFill>
+              <a:schemeClr val="tx1"/>
+            </a:solidFill>
+          </a:ln>
+        </p:spPr>
+        <p:style>
+          <a:lnRef idx="2">
+            <a:schemeClr val="accent1">
+              <a:shade val="50000"/>
+            </a:schemeClr>
+          </a:lnRef>
+          <a:fillRef idx="1">
+            <a:schemeClr val="accent1"/>
+          </a:fillRef>
+          <a:effectRef idx="0">
+            <a:schemeClr val="accent1"/>
+          </a:effectRef>
+          <a:fontRef idx="minor">
+            <a:schemeClr val="lt1"/>
+          </a:fontRef>
+        </p:style>
+        <p:txBody>
+          <a:bodyPr rtlCol="0" anchor="ctr"/>
+          <a:lstStyle/>
+          <a:p>
+            <a:pPr algn="ctr"/>
+            <a:endParaRPr lang="fr-CH"/>
+          </a:p>
+        </p:txBody>
+      </p:sp>
+      <p:sp>
+        <p:nvSpPr>
+          <p:cNvPr id="115" name="Flowchart: Connector 114">
+            <a:extLst>
+              <a:ext uri="{FF2B5EF4-FFF2-40B4-BE49-F238E27FC236}">
+                <a16:creationId xmlns:a16="http://schemas.microsoft.com/office/drawing/2014/main" id="{9AD2C778-E856-418E-B3C1-807D3FC4A52E}"/>
+              </a:ext>
+            </a:extLst>
+          </p:cNvPr>
+          <p:cNvSpPr/>
+          <p:nvPr/>
+        </p:nvSpPr>
+        <p:spPr>
+          <a:xfrm rot="787897">
+            <a:off x="4702191" y="5622227"/>
+            <a:ext cx="86517" cy="88358"/>
+          </a:xfrm>
+          <a:prstGeom prst="flowChartConnector">
+            <a:avLst/>
+          </a:prstGeom>
+          <a:solidFill>
+            <a:srgbClr val="FF0000"/>
+          </a:solidFill>
+          <a:ln>
+            <a:solidFill>
+              <a:schemeClr val="tx1"/>
+            </a:solidFill>
+          </a:ln>
+        </p:spPr>
+        <p:style>
+          <a:lnRef idx="2">
+            <a:schemeClr val="accent1">
+              <a:shade val="50000"/>
+            </a:schemeClr>
+          </a:lnRef>
+          <a:fillRef idx="1">
+            <a:schemeClr val="accent1"/>
+          </a:fillRef>
+          <a:effectRef idx="0">
+            <a:schemeClr val="accent1"/>
+          </a:effectRef>
+          <a:fontRef idx="minor">
+            <a:schemeClr val="lt1"/>
+          </a:fontRef>
+        </p:style>
+        <p:txBody>
+          <a:bodyPr rtlCol="0" anchor="ctr"/>
+          <a:lstStyle/>
+          <a:p>
+            <a:pPr algn="ctr"/>
+            <a:endParaRPr lang="fr-CH"/>
+          </a:p>
+        </p:txBody>
+      </p:sp>
+      <p:sp>
+        <p:nvSpPr>
+          <p:cNvPr id="116" name="Flowchart: Connector 115">
+            <a:extLst>
+              <a:ext uri="{FF2B5EF4-FFF2-40B4-BE49-F238E27FC236}">
+                <a16:creationId xmlns:a16="http://schemas.microsoft.com/office/drawing/2014/main" id="{9DBC8614-8DE4-47BD-B79F-AA171DF6E17F}"/>
+              </a:ext>
+            </a:extLst>
+          </p:cNvPr>
+          <p:cNvSpPr/>
+          <p:nvPr/>
+        </p:nvSpPr>
+        <p:spPr>
+          <a:xfrm rot="787897">
+            <a:off x="4790139" y="5429781"/>
+            <a:ext cx="86517" cy="88358"/>
+          </a:xfrm>
+          <a:prstGeom prst="flowChartConnector">
+            <a:avLst/>
+          </a:prstGeom>
+          <a:solidFill>
+            <a:srgbClr val="FF0000"/>
+          </a:solidFill>
+          <a:ln>
+            <a:solidFill>
+              <a:schemeClr val="tx1"/>
+            </a:solidFill>
+          </a:ln>
+        </p:spPr>
+        <p:style>
+          <a:lnRef idx="2">
+            <a:schemeClr val="accent1">
+              <a:shade val="50000"/>
+            </a:schemeClr>
+          </a:lnRef>
+          <a:fillRef idx="1">
+            <a:schemeClr val="accent1"/>
+          </a:fillRef>
+          <a:effectRef idx="0">
+            <a:schemeClr val="accent1"/>
+          </a:effectRef>
+          <a:fontRef idx="minor">
+            <a:schemeClr val="lt1"/>
+          </a:fontRef>
+        </p:style>
+        <p:txBody>
+          <a:bodyPr rtlCol="0" anchor="ctr"/>
+          <a:lstStyle/>
+          <a:p>
+            <a:pPr algn="ctr"/>
+            <a:endParaRPr lang="fr-CH"/>
+          </a:p>
+        </p:txBody>
+      </p:sp>
+      <p:cxnSp>
+        <p:nvCxnSpPr>
+          <p:cNvPr id="117" name="Straight Connector 116">
+            <a:extLst>
+              <a:ext uri="{FF2B5EF4-FFF2-40B4-BE49-F238E27FC236}">
+                <a16:creationId xmlns:a16="http://schemas.microsoft.com/office/drawing/2014/main" id="{936FDE1C-5321-4F7C-BC96-B4B38C36B016}"/>
+              </a:ext>
+            </a:extLst>
+          </p:cNvPr>
+          <p:cNvCxnSpPr>
+            <a:cxnSpLocks/>
+          </p:cNvCxnSpPr>
+          <p:nvPr/>
+        </p:nvCxnSpPr>
+        <p:spPr>
+          <a:xfrm>
+            <a:off x="2089650" y="4965107"/>
+            <a:ext cx="3488735" cy="0"/>
+          </a:xfrm>
+          <a:prstGeom prst="line">
+            <a:avLst/>
+          </a:prstGeom>
+          <a:ln w="38100">
+            <a:solidFill>
+              <a:schemeClr val="tx1"/>
+            </a:solidFill>
+          </a:ln>
+        </p:spPr>
+        <p:style>
+          <a:lnRef idx="1">
+            <a:schemeClr val="accent1"/>
+          </a:lnRef>
+          <a:fillRef idx="0">
+            <a:schemeClr val="accent1"/>
+          </a:fillRef>
+          <a:effectRef idx="0">
+            <a:schemeClr val="accent1"/>
+          </a:effectRef>
+          <a:fontRef idx="minor">
+            <a:schemeClr val="tx1"/>
+          </a:fontRef>
+        </p:style>
+      </p:cxnSp>
+      <p:cxnSp>
+        <p:nvCxnSpPr>
+          <p:cNvPr id="119" name="Straight Arrow Connector 118">
+            <a:extLst>
+              <a:ext uri="{FF2B5EF4-FFF2-40B4-BE49-F238E27FC236}">
+                <a16:creationId xmlns:a16="http://schemas.microsoft.com/office/drawing/2014/main" id="{5598530C-63A6-409A-B36E-A345E5433320}"/>
+              </a:ext>
+            </a:extLst>
+          </p:cNvPr>
+          <p:cNvCxnSpPr>
+            <a:cxnSpLocks/>
+            <a:stCxn id="95" idx="2"/>
+          </p:cNvCxnSpPr>
+          <p:nvPr/>
+        </p:nvCxnSpPr>
+        <p:spPr>
+          <a:xfrm flipH="1" flipV="1">
+            <a:off x="2220221" y="4965107"/>
+            <a:ext cx="5286" cy="692144"/>
+          </a:xfrm>
+          <a:prstGeom prst="straightConnector1">
+            <a:avLst/>
+          </a:prstGeom>
+          <a:ln w="12700">
+            <a:solidFill>
+              <a:srgbClr val="FF7E79"/>
+            </a:solidFill>
+            <a:tailEnd type="triangle"/>
+          </a:ln>
+        </p:spPr>
+        <p:style>
+          <a:lnRef idx="1">
+            <a:schemeClr val="accent1"/>
+          </a:lnRef>
+          <a:fillRef idx="0">
+            <a:schemeClr val="accent1"/>
+          </a:fillRef>
+          <a:effectRef idx="0">
+            <a:schemeClr val="accent1"/>
+          </a:effectRef>
+          <a:fontRef idx="minor">
+            <a:schemeClr val="tx1"/>
+          </a:fontRef>
+        </p:style>
+      </p:cxnSp>
+      <p:cxnSp>
+        <p:nvCxnSpPr>
+          <p:cNvPr id="120" name="Straight Arrow Connector 119">
+            <a:extLst>
+              <a:ext uri="{FF2B5EF4-FFF2-40B4-BE49-F238E27FC236}">
+                <a16:creationId xmlns:a16="http://schemas.microsoft.com/office/drawing/2014/main" id="{CB691E8A-D7F2-4D31-B332-D793D9EF655A}"/>
+              </a:ext>
+            </a:extLst>
+          </p:cNvPr>
+          <p:cNvCxnSpPr>
+            <a:cxnSpLocks/>
+            <a:stCxn id="78" idx="3"/>
+          </p:cNvCxnSpPr>
+          <p:nvPr/>
+        </p:nvCxnSpPr>
+        <p:spPr>
+          <a:xfrm>
+            <a:off x="2580224" y="4602021"/>
+            <a:ext cx="0" cy="363086"/>
+          </a:xfrm>
+          <a:prstGeom prst="straightConnector1">
+            <a:avLst/>
+          </a:prstGeom>
+          <a:ln>
+            <a:solidFill>
+              <a:schemeClr val="tx1">
+                <a:lumMod val="50000"/>
+                <a:lumOff val="50000"/>
+              </a:schemeClr>
+            </a:solidFill>
+            <a:tailEnd type="triangle"/>
+          </a:ln>
+        </p:spPr>
+        <p:style>
+          <a:lnRef idx="1">
+            <a:schemeClr val="accent1"/>
+          </a:lnRef>
+          <a:fillRef idx="0">
+            <a:schemeClr val="accent1"/>
+          </a:fillRef>
+          <a:effectRef idx="0">
+            <a:schemeClr val="accent1"/>
+          </a:effectRef>
+          <a:fontRef idx="minor">
+            <a:schemeClr val="tx1"/>
+          </a:fontRef>
+        </p:style>
+      </p:cxnSp>
+      <p:cxnSp>
+        <p:nvCxnSpPr>
+          <p:cNvPr id="125" name="Straight Arrow Connector 124">
+            <a:extLst>
+              <a:ext uri="{FF2B5EF4-FFF2-40B4-BE49-F238E27FC236}">
+                <a16:creationId xmlns:a16="http://schemas.microsoft.com/office/drawing/2014/main" id="{E2F7CCF5-0813-4F58-A7CC-ACB83ED038BB}"/>
+              </a:ext>
+            </a:extLst>
+          </p:cNvPr>
+          <p:cNvCxnSpPr>
+            <a:cxnSpLocks/>
+          </p:cNvCxnSpPr>
+          <p:nvPr/>
+        </p:nvCxnSpPr>
+        <p:spPr>
+          <a:xfrm>
+            <a:off x="2201744" y="4822816"/>
+            <a:ext cx="416366" cy="0"/>
+          </a:xfrm>
+          <a:prstGeom prst="straightConnector1">
+            <a:avLst/>
+          </a:prstGeom>
+          <a:ln w="19050" cap="flat" cmpd="sng" algn="ctr">
+            <a:solidFill>
+              <a:schemeClr val="accent3"/>
+            </a:solidFill>
+            <a:prstDash val="solid"/>
+            <a:round/>
+            <a:headEnd type="arrow" w="med" len="med"/>
+            <a:tailEnd type="arrow" w="med" len="med"/>
+          </a:ln>
+        </p:spPr>
+        <p:style>
+          <a:lnRef idx="0">
+            <a:scrgbClr r="0" g="0" b="0"/>
+          </a:lnRef>
+          <a:fillRef idx="0">
+            <a:scrgbClr r="0" g="0" b="0"/>
+          </a:fillRef>
+          <a:effectRef idx="0">
+            <a:scrgbClr r="0" g="0" b="0"/>
+          </a:effectRef>
+          <a:fontRef idx="minor">
+            <a:schemeClr val="tx1"/>
+          </a:fontRef>
+        </p:style>
+      </p:cxnSp>
+      <p:cxnSp>
+        <p:nvCxnSpPr>
+          <p:cNvPr id="77" name="Straight Arrow Connector 76">
+            <a:extLst>
+              <a:ext uri="{FF2B5EF4-FFF2-40B4-BE49-F238E27FC236}">
+                <a16:creationId xmlns:a16="http://schemas.microsoft.com/office/drawing/2014/main" id="{958551F2-94B1-4928-8926-A3A7271CFDE3}"/>
+              </a:ext>
+            </a:extLst>
+          </p:cNvPr>
+          <p:cNvCxnSpPr>
+            <a:cxnSpLocks/>
+          </p:cNvCxnSpPr>
+          <p:nvPr/>
+        </p:nvCxnSpPr>
+        <p:spPr>
+          <a:xfrm flipV="1">
+            <a:off x="3236671" y="4987474"/>
+            <a:ext cx="0" cy="955866"/>
+          </a:xfrm>
+          <a:prstGeom prst="straightConnector1">
+            <a:avLst/>
+          </a:prstGeom>
+          <a:ln w="12700">
+            <a:solidFill>
+              <a:srgbClr val="FF7E79"/>
+            </a:solidFill>
+            <a:tailEnd type="triangle"/>
+          </a:ln>
+        </p:spPr>
+        <p:style>
+          <a:lnRef idx="1">
+            <a:schemeClr val="accent1"/>
+          </a:lnRef>
+          <a:fillRef idx="0">
+            <a:schemeClr val="accent1"/>
+          </a:fillRef>
+          <a:effectRef idx="0">
+            <a:schemeClr val="accent1"/>
+          </a:effectRef>
+          <a:fontRef idx="minor">
+            <a:schemeClr val="tx1"/>
+          </a:fontRef>
+        </p:style>
+      </p:cxnSp>
+      <p:cxnSp>
+        <p:nvCxnSpPr>
+          <p:cNvPr id="82" name="Straight Arrow Connector 81">
+            <a:extLst>
+              <a:ext uri="{FF2B5EF4-FFF2-40B4-BE49-F238E27FC236}">
+                <a16:creationId xmlns:a16="http://schemas.microsoft.com/office/drawing/2014/main" id="{215DF20A-7CC9-4657-B882-FD6A290835EF}"/>
+              </a:ext>
+            </a:extLst>
+          </p:cNvPr>
+          <p:cNvCxnSpPr>
+            <a:cxnSpLocks/>
+          </p:cNvCxnSpPr>
+          <p:nvPr/>
+        </p:nvCxnSpPr>
+        <p:spPr>
+          <a:xfrm>
+            <a:off x="3302107" y="4757235"/>
+            <a:ext cx="0" cy="230239"/>
+          </a:xfrm>
+          <a:prstGeom prst="straightConnector1">
+            <a:avLst/>
+          </a:prstGeom>
+          <a:ln>
+            <a:solidFill>
+              <a:schemeClr val="tx1">
+                <a:lumMod val="50000"/>
+                <a:lumOff val="50000"/>
+              </a:schemeClr>
+            </a:solidFill>
+            <a:tailEnd type="triangle"/>
+          </a:ln>
+        </p:spPr>
+        <p:style>
+          <a:lnRef idx="1">
+            <a:schemeClr val="accent1"/>
+          </a:lnRef>
+          <a:fillRef idx="0">
+            <a:schemeClr val="accent1"/>
+          </a:fillRef>
+          <a:effectRef idx="0">
+            <a:schemeClr val="accent1"/>
+          </a:effectRef>
+          <a:fontRef idx="minor">
+            <a:schemeClr val="tx1"/>
+          </a:fontRef>
+        </p:style>
+      </p:cxnSp>
+      <p:cxnSp>
+        <p:nvCxnSpPr>
+          <p:cNvPr id="83" name="Straight Arrow Connector 82">
+            <a:extLst>
+              <a:ext uri="{FF2B5EF4-FFF2-40B4-BE49-F238E27FC236}">
+                <a16:creationId xmlns:a16="http://schemas.microsoft.com/office/drawing/2014/main" id="{746AEFAE-12DE-4AF6-AB7E-23C1EF71080B}"/>
+              </a:ext>
+            </a:extLst>
+          </p:cNvPr>
+          <p:cNvCxnSpPr>
+            <a:cxnSpLocks/>
+          </p:cNvCxnSpPr>
+          <p:nvPr/>
+        </p:nvCxnSpPr>
+        <p:spPr>
+          <a:xfrm>
+            <a:off x="4282167" y="4351103"/>
+            <a:ext cx="0" cy="599540"/>
+          </a:xfrm>
+          <a:prstGeom prst="straightConnector1">
+            <a:avLst/>
+          </a:prstGeom>
+          <a:ln>
+            <a:solidFill>
+              <a:schemeClr val="tx1">
+                <a:lumMod val="50000"/>
+                <a:lumOff val="50000"/>
+              </a:schemeClr>
+            </a:solidFill>
+            <a:tailEnd type="triangle"/>
+          </a:ln>
+        </p:spPr>
+        <p:style>
+          <a:lnRef idx="1">
+            <a:schemeClr val="accent1"/>
+          </a:lnRef>
+          <a:fillRef idx="0">
+            <a:schemeClr val="accent1"/>
+          </a:fillRef>
+          <a:effectRef idx="0">
+            <a:schemeClr val="accent1"/>
+          </a:effectRef>
+          <a:fontRef idx="minor">
+            <a:schemeClr val="tx1"/>
+          </a:fontRef>
+        </p:style>
+      </p:cxnSp>
+      <p:cxnSp>
+        <p:nvCxnSpPr>
+          <p:cNvPr id="84" name="Straight Arrow Connector 83">
+            <a:extLst>
+              <a:ext uri="{FF2B5EF4-FFF2-40B4-BE49-F238E27FC236}">
+                <a16:creationId xmlns:a16="http://schemas.microsoft.com/office/drawing/2014/main" id="{A6706143-7EC6-48E1-9323-FADC9C8D906A}"/>
+              </a:ext>
+            </a:extLst>
+          </p:cNvPr>
+          <p:cNvCxnSpPr>
+            <a:cxnSpLocks/>
+          </p:cNvCxnSpPr>
+          <p:nvPr/>
+        </p:nvCxnSpPr>
+        <p:spPr>
+          <a:xfrm flipH="1" flipV="1">
+            <a:off x="4194543" y="4965107"/>
+            <a:ext cx="8842" cy="510166"/>
+          </a:xfrm>
+          <a:prstGeom prst="straightConnector1">
+            <a:avLst/>
+          </a:prstGeom>
+          <a:ln w="12700">
+            <a:solidFill>
+              <a:srgbClr val="FF7E79"/>
+            </a:solidFill>
+            <a:tailEnd type="triangle"/>
+          </a:ln>
+        </p:spPr>
+        <p:style>
+          <a:lnRef idx="1">
+            <a:schemeClr val="accent1"/>
+          </a:lnRef>
+          <a:fillRef idx="0">
+            <a:schemeClr val="accent1"/>
+          </a:fillRef>
+          <a:effectRef idx="0">
+            <a:schemeClr val="accent1"/>
+          </a:effectRef>
+          <a:fontRef idx="minor">
+            <a:schemeClr val="tx1"/>
+          </a:fontRef>
+        </p:style>
+      </p:cxnSp>
     </p:spTree>
     <p:extLst>
       <p:ext uri="{BB962C8B-B14F-4D97-AF65-F5344CB8AC3E}">
@@ -28185,34 +31651,6 @@
           <a:chExt cx="0" cy="0"/>
         </a:xfrm>
       </p:grpSpPr>
-      <p:sp>
-        <p:nvSpPr>
-          <p:cNvPr id="4" name="Footer Placeholder 3">
-            <a:extLst>
-              <a:ext uri="{FF2B5EF4-FFF2-40B4-BE49-F238E27FC236}">
-                <a16:creationId xmlns:a16="http://schemas.microsoft.com/office/drawing/2014/main" id="{3A72F2D6-3524-46D3-B419-AA669C534138}"/>
-              </a:ext>
-            </a:extLst>
-          </p:cNvPr>
-          <p:cNvSpPr>
-            <a:spLocks noGrp="1"/>
-          </p:cNvSpPr>
-          <p:nvPr>
-            <p:ph type="ftr" sz="quarter" idx="11"/>
-          </p:nvPr>
-        </p:nvSpPr>
-        <p:spPr/>
-        <p:txBody>
-          <a:bodyPr/>
-          <a:lstStyle/>
-          <a:p>
-            <a:r>
-              <a:rPr lang="fr-CH"/>
-              <a:t>EPFL-STI-LMAM | 04.04.2018</a:t>
-            </a:r>
-          </a:p>
-        </p:txBody>
-      </p:sp>
       <p:sp>
         <p:nvSpPr>
           <p:cNvPr id="5" name="Slide Number Placeholder 4">
@@ -31007,6 +34445,39 @@
           </a:extLst>
         </p:spPr>
       </p:pic>
+      <p:sp>
+        <p:nvSpPr>
+          <p:cNvPr id="59" name="Espace réservé du pied de page 6">
+            <a:extLst>
+              <a:ext uri="{FF2B5EF4-FFF2-40B4-BE49-F238E27FC236}">
+                <a16:creationId xmlns:a16="http://schemas.microsoft.com/office/drawing/2014/main" id="{9656926D-92AC-4746-ADC8-A2BFF08345CB}"/>
+              </a:ext>
+            </a:extLst>
+          </p:cNvPr>
+          <p:cNvSpPr>
+            <a:spLocks noGrp="1"/>
+          </p:cNvSpPr>
+          <p:nvPr>
+            <p:ph type="ftr" sz="quarter" idx="11"/>
+          </p:nvPr>
+        </p:nvSpPr>
+        <p:spPr>
+          <a:xfrm>
+            <a:off x="3686185" y="6470868"/>
+            <a:ext cx="4822804" cy="365125"/>
+          </a:xfrm>
+        </p:spPr>
+        <p:txBody>
+          <a:bodyPr/>
+          <a:lstStyle/>
+          <a:p>
+            <a:r>
+              <a:rPr lang="fr-CH" sz="1100" dirty="0"/>
+              <a:t>EPFL-STI-LIS | 24.10.2018</a:t>
+            </a:r>
+          </a:p>
+        </p:txBody>
+      </p:sp>
     </p:spTree>
     <p:extLst>
       <p:ext uri="{BB962C8B-B14F-4D97-AF65-F5344CB8AC3E}">
@@ -32809,34 +36280,6 @@
       </p:grpSpPr>
       <p:sp>
         <p:nvSpPr>
-          <p:cNvPr id="4" name="Footer Placeholder 3">
-            <a:extLst>
-              <a:ext uri="{FF2B5EF4-FFF2-40B4-BE49-F238E27FC236}">
-                <a16:creationId xmlns:a16="http://schemas.microsoft.com/office/drawing/2014/main" id="{6D01BD19-F3B9-4F48-B314-4B85D9302F81}"/>
-              </a:ext>
-            </a:extLst>
-          </p:cNvPr>
-          <p:cNvSpPr>
-            <a:spLocks noGrp="1"/>
-          </p:cNvSpPr>
-          <p:nvPr>
-            <p:ph type="ftr" sz="quarter" idx="11"/>
-          </p:nvPr>
-        </p:nvSpPr>
-        <p:spPr/>
-        <p:txBody>
-          <a:bodyPr/>
-          <a:lstStyle/>
-          <a:p>
-            <a:r>
-              <a:rPr lang="fr-CH"/>
-              <a:t>EPFL-STI-LMAM | 04.04.2018</a:t>
-            </a:r>
-          </a:p>
-        </p:txBody>
-      </p:sp>
-      <p:sp>
-        <p:nvSpPr>
           <p:cNvPr id="5" name="Slide Number Placeholder 4">
             <a:extLst>
               <a:ext uri="{FF2B5EF4-FFF2-40B4-BE49-F238E27FC236}">
@@ -32923,7 +36366,7 @@
         </p:blipFill>
         <p:spPr>
           <a:xfrm>
-            <a:off x="429013" y="1998448"/>
+            <a:off x="429013" y="2031902"/>
             <a:ext cx="11333973" cy="4081076"/>
           </a:xfrm>
           <a:prstGeom prst="rect">
@@ -32931,6 +36374,39 @@
           </a:prstGeom>
         </p:spPr>
       </p:pic>
+      <p:sp>
+        <p:nvSpPr>
+          <p:cNvPr id="6" name="Espace réservé du pied de page 6">
+            <a:extLst>
+              <a:ext uri="{FF2B5EF4-FFF2-40B4-BE49-F238E27FC236}">
+                <a16:creationId xmlns:a16="http://schemas.microsoft.com/office/drawing/2014/main" id="{0C7DA9C7-7EBE-4CD0-8879-B9F056522157}"/>
+              </a:ext>
+            </a:extLst>
+          </p:cNvPr>
+          <p:cNvSpPr>
+            <a:spLocks noGrp="1"/>
+          </p:cNvSpPr>
+          <p:nvPr>
+            <p:ph type="ftr" sz="quarter" idx="11"/>
+          </p:nvPr>
+        </p:nvSpPr>
+        <p:spPr>
+          <a:xfrm>
+            <a:off x="3686185" y="6470868"/>
+            <a:ext cx="4822804" cy="365125"/>
+          </a:xfrm>
+        </p:spPr>
+        <p:txBody>
+          <a:bodyPr/>
+          <a:lstStyle/>
+          <a:p>
+            <a:r>
+              <a:rPr lang="fr-CH" sz="1100" dirty="0"/>
+              <a:t>EPFL-STI-LIS | 24.10.2018</a:t>
+            </a:r>
+          </a:p>
+        </p:txBody>
+      </p:sp>
     </p:spTree>
     <p:extLst>
       <p:ext uri="{BB962C8B-B14F-4D97-AF65-F5344CB8AC3E}">
@@ -33172,27 +36648,8 @@
                 <a:ea typeface="Calibri Light" charset="0"/>
                 <a:cs typeface="Calibri Light" charset="0"/>
               </a:rPr>
-              <a:t>Prior </a:t>
-            </a:r>
-            <a:r>
-              <a:rPr lang="fr-FR" sz="2800" dirty="0" err="1">
-                <a:solidFill>
-                  <a:schemeClr val="accent1"/>
-                </a:solidFill>
-                <a:latin typeface="Calibri Light" charset="0"/>
-                <a:ea typeface="Calibri Light" charset="0"/>
-                <a:cs typeface="Calibri Light" charset="0"/>
-              </a:rPr>
-              <a:t>explanation</a:t>
-            </a:r>
-            <a:endParaRPr lang="fr-FR" sz="2800" dirty="0">
-              <a:solidFill>
-                <a:schemeClr val="accent1"/>
-              </a:solidFill>
-              <a:latin typeface="Calibri Light" charset="0"/>
-              <a:ea typeface="Calibri Light" charset="0"/>
-              <a:cs typeface="Calibri Light" charset="0"/>
-            </a:endParaRPr>
+              <a:t>Initial concepts</a:t>
+            </a:r>
           </a:p>
           <a:p>
             <a:pPr marL="1028700" lvl="1" indent="-571500">
@@ -33496,7 +36953,7 @@
           <a:p>
             <a:r>
               <a:rPr lang="fr-CH" sz="1100" dirty="0"/>
-              <a:t>EPFL-STI-LIS | 04.04.2018</a:t>
+              <a:t>EPFL-STI-LIS | 24.10.2018</a:t>
             </a:r>
           </a:p>
         </p:txBody>
@@ -33589,7 +37046,7 @@
             </a:r>
             <a:r>
               <a:rPr lang="fr-CH" sz="1400" dirty="0"/>
-              <a:t> [8]</a:t>
+              <a:t> [7]</a:t>
             </a:r>
             <a:endParaRPr lang="fr-CH" sz="1200" dirty="0"/>
           </a:p>
@@ -33659,15 +37116,7 @@
                   <a:schemeClr val="tx2"/>
                 </a:solidFill>
               </a:rPr>
-              <a:t>Prior </a:t>
-            </a:r>
-            <a:r>
-              <a:rPr lang="fr-CH" i="1" dirty="0" err="1">
-                <a:solidFill>
-                  <a:schemeClr val="tx2"/>
-                </a:solidFill>
-              </a:rPr>
-              <a:t>explanation</a:t>
+              <a:t>Initial concepts</a:t>
             </a:r>
             <a:endParaRPr lang="fr-FR" sz="4000" dirty="0"/>
           </a:p>
@@ -34118,55 +37567,6 @@
           </a:prstGeom>
         </p:spPr>
       </p:pic>
-      <p:sp>
-        <p:nvSpPr>
-          <p:cNvPr id="11" name="ZoneTexte 4">
-            <a:extLst>
-              <a:ext uri="{FF2B5EF4-FFF2-40B4-BE49-F238E27FC236}">
-                <a16:creationId xmlns:a16="http://schemas.microsoft.com/office/drawing/2014/main" id="{966B112B-79E5-49F4-B948-230033A34EBE}"/>
-              </a:ext>
-            </a:extLst>
-          </p:cNvPr>
-          <p:cNvSpPr txBox="1"/>
-          <p:nvPr/>
-        </p:nvSpPr>
-        <p:spPr>
-          <a:xfrm>
-            <a:off x="-26011" y="5995733"/>
-            <a:ext cx="1909232" cy="307777"/>
-          </a:xfrm>
-          <a:prstGeom prst="rect">
-            <a:avLst/>
-          </a:prstGeom>
-          <a:noFill/>
-        </p:spPr>
-        <p:txBody>
-          <a:bodyPr wrap="square" rtlCol="0">
-            <a:spAutoFit/>
-          </a:bodyPr>
-          <a:lstStyle/>
-          <a:p>
-            <a:pPr algn="ctr"/>
-            <a:r>
-              <a:rPr lang="fr-CH" sz="1400" b="1" dirty="0"/>
-              <a:t>Fig.5:</a:t>
-            </a:r>
-            <a:r>
-              <a:rPr lang="fr-CH" sz="1400" dirty="0"/>
-              <a:t> </a:t>
-            </a:r>
-            <a:r>
-              <a:rPr lang="fr-CH" sz="1400" dirty="0" err="1"/>
-              <a:t>Propeller</a:t>
-            </a:r>
-            <a:r>
-              <a:rPr lang="fr-CH" sz="1400" dirty="0"/>
-              <a:t> STL file</a:t>
-            </a:r>
-            <a:endParaRPr lang="fr-CH" sz="1600" dirty="0"/>
-          </a:p>
-        </p:txBody>
-      </p:sp>
       <p:cxnSp>
         <p:nvCxnSpPr>
           <p:cNvPr id="15" name="Straight Connector 14">
@@ -34316,34 +37716,6 @@
       </p:grpSpPr>
       <p:sp>
         <p:nvSpPr>
-          <p:cNvPr id="3" name="Footer Placeholder 2">
-            <a:extLst>
-              <a:ext uri="{FF2B5EF4-FFF2-40B4-BE49-F238E27FC236}">
-                <a16:creationId xmlns:a16="http://schemas.microsoft.com/office/drawing/2014/main" id="{233BCEB0-C281-4BF5-BD45-345D28E4975B}"/>
-              </a:ext>
-            </a:extLst>
-          </p:cNvPr>
-          <p:cNvSpPr>
-            <a:spLocks noGrp="1"/>
-          </p:cNvSpPr>
-          <p:nvPr>
-            <p:ph type="ftr" sz="quarter" idx="11"/>
-          </p:nvPr>
-        </p:nvSpPr>
-        <p:spPr/>
-        <p:txBody>
-          <a:bodyPr/>
-          <a:lstStyle/>
-          <a:p>
-            <a:r>
-              <a:rPr lang="fr-CH" sz="1100" dirty="0"/>
-              <a:t>EPFL-STI-LIS | 04.04.2018</a:t>
-            </a:r>
-          </a:p>
-        </p:txBody>
-      </p:sp>
-      <p:sp>
-        <p:nvSpPr>
           <p:cNvPr id="4" name="Slide Number Placeholder 3">
             <a:extLst>
               <a:ext uri="{FF2B5EF4-FFF2-40B4-BE49-F238E27FC236}">
@@ -34435,15 +37807,7 @@
                   <a:schemeClr val="tx2"/>
                 </a:solidFill>
               </a:rPr>
-              <a:t>Prior </a:t>
-            </a:r>
-            <a:r>
-              <a:rPr lang="fr-CH" i="1" dirty="0" err="1">
-                <a:solidFill>
-                  <a:schemeClr val="tx2"/>
-                </a:solidFill>
-              </a:rPr>
-              <a:t>explanation</a:t>
+              <a:t>Initial concepts</a:t>
             </a:r>
             <a:endParaRPr lang="fr-FR" sz="4000" dirty="0"/>
           </a:p>
@@ -34877,6 +38241,39 @@
           </a:extLst>
         </p:spPr>
       </p:pic>
+      <p:sp>
+        <p:nvSpPr>
+          <p:cNvPr id="9" name="Espace réservé du pied de page 6">
+            <a:extLst>
+              <a:ext uri="{FF2B5EF4-FFF2-40B4-BE49-F238E27FC236}">
+                <a16:creationId xmlns:a16="http://schemas.microsoft.com/office/drawing/2014/main" id="{F8327A2A-1074-4A04-89C9-62AAD5DA130F}"/>
+              </a:ext>
+            </a:extLst>
+          </p:cNvPr>
+          <p:cNvSpPr>
+            <a:spLocks noGrp="1"/>
+          </p:cNvSpPr>
+          <p:nvPr>
+            <p:ph type="ftr" sz="quarter" idx="11"/>
+          </p:nvPr>
+        </p:nvSpPr>
+        <p:spPr>
+          <a:xfrm>
+            <a:off x="3686185" y="6470868"/>
+            <a:ext cx="4822804" cy="365125"/>
+          </a:xfrm>
+        </p:spPr>
+        <p:txBody>
+          <a:bodyPr/>
+          <a:lstStyle/>
+          <a:p>
+            <a:r>
+              <a:rPr lang="fr-CH" sz="1100" dirty="0"/>
+              <a:t>EPFL-STI-LIS | 24.10.2018</a:t>
+            </a:r>
+          </a:p>
+        </p:txBody>
+      </p:sp>
     </p:spTree>
     <p:extLst>
       <p:ext uri="{BB962C8B-B14F-4D97-AF65-F5344CB8AC3E}">
@@ -35757,21 +39154,11 @@
               </a:rPr>
               <a:t>State of the art </a:t>
             </a:r>
-            <a:br>
-              <a:rPr lang="fr-CH" sz="3600" i="1" dirty="0">
-                <a:solidFill>
-                  <a:schemeClr val="tx2"/>
-                </a:solidFill>
-              </a:rPr>
-            </a:br>
-            <a:r>
-              <a:rPr lang="fr-CH" sz="3600" dirty="0">
-                <a:solidFill>
-                  <a:schemeClr val="accent1"/>
-                </a:solidFill>
-              </a:rPr>
-              <a:t>3D Scanning</a:t>
-            </a:r>
+            <a:endParaRPr lang="fr-CH" sz="3600" dirty="0">
+              <a:solidFill>
+                <a:schemeClr val="accent1"/>
+              </a:solidFill>
+            </a:endParaRPr>
           </a:p>
         </p:txBody>
       </p:sp>
@@ -35811,13 +39198,13 @@
           <p:nvPr>
             <p:extLst>
               <p:ext uri="{D42A27DB-BD31-4B8C-83A1-F6EECF244321}">
-                <p14:modId xmlns:p14="http://schemas.microsoft.com/office/powerpoint/2010/main" val="4125020283"/>
+                <p14:modId xmlns:p14="http://schemas.microsoft.com/office/powerpoint/2010/main" val="1989538144"/>
               </p:ext>
             </p:extLst>
           </p:nvPr>
         </p:nvGraphicFramePr>
         <p:xfrm>
-          <a:off x="2020106" y="1854817"/>
+          <a:off x="3012565" y="1813918"/>
           <a:ext cx="9992114" cy="4399542"/>
         </p:xfrm>
         <a:graphic>
@@ -35842,7 +39229,7 @@
         </p:nvSpPr>
         <p:spPr>
           <a:xfrm>
-            <a:off x="1220369" y="3696448"/>
+            <a:off x="2212828" y="3655549"/>
             <a:ext cx="4693794" cy="716280"/>
           </a:xfrm>
           <a:prstGeom prst="rect">
@@ -36068,6 +39455,67 @@
           </a:p>
         </p:txBody>
       </p:sp>
+      <p:sp>
+        <p:nvSpPr>
+          <p:cNvPr id="10" name="ZoneTexte 6">
+            <a:extLst>
+              <a:ext uri="{FF2B5EF4-FFF2-40B4-BE49-F238E27FC236}">
+                <a16:creationId xmlns:a16="http://schemas.microsoft.com/office/drawing/2014/main" id="{2CFB96DE-1CC3-4BED-A34C-AD564A3C4315}"/>
+              </a:ext>
+            </a:extLst>
+          </p:cNvPr>
+          <p:cNvSpPr txBox="1"/>
+          <p:nvPr/>
+        </p:nvSpPr>
+        <p:spPr>
+          <a:xfrm>
+            <a:off x="1220369" y="1813918"/>
+            <a:ext cx="8534400" cy="535531"/>
+          </a:xfrm>
+          <a:prstGeom prst="rect">
+            <a:avLst/>
+          </a:prstGeom>
+          <a:noFill/>
+        </p:spPr>
+        <p:txBody>
+          <a:bodyPr wrap="square" rtlCol="0">
+            <a:spAutoFit/>
+          </a:bodyPr>
+          <a:lstStyle/>
+          <a:p>
+            <a:pPr>
+              <a:lnSpc>
+                <a:spcPct val="90000"/>
+              </a:lnSpc>
+              <a:spcBef>
+                <a:spcPts val="1000"/>
+              </a:spcBef>
+            </a:pPr>
+            <a:r>
+              <a:rPr lang="fr-FR" sz="3200" b="1" dirty="0" err="1">
+                <a:solidFill>
+                  <a:schemeClr val="tx2"/>
+                </a:solidFill>
+                <a:latin typeface="Calibri Light" charset="0"/>
+                <a:ea typeface="Calibri Light" charset="0"/>
+                <a:cs typeface="Calibri Light" charset="0"/>
+              </a:rPr>
+              <a:t>Choices</a:t>
+            </a:r>
+            <a:r>
+              <a:rPr lang="fr-FR" sz="3200" b="1" dirty="0">
+                <a:solidFill>
+                  <a:schemeClr val="tx2"/>
+                </a:solidFill>
+                <a:latin typeface="Calibri Light" charset="0"/>
+                <a:ea typeface="Calibri Light" charset="0"/>
+                <a:cs typeface="Calibri Light" charset="0"/>
+              </a:rPr>
+              <a:t> for 3D Scanning:</a:t>
+            </a:r>
+          </a:p>
+        </p:txBody>
+      </p:sp>
     </p:spTree>
     <p:extLst>
       <p:ext uri="{BB962C8B-B14F-4D97-AF65-F5344CB8AC3E}">
@@ -36126,7 +39574,7 @@
         </p:blipFill>
         <p:spPr>
           <a:xfrm>
-            <a:off x="6097586" y="3247847"/>
+            <a:off x="1326151" y="3264103"/>
             <a:ext cx="4863423" cy="2124253"/>
           </a:xfrm>
           <a:prstGeom prst="rect">
@@ -36176,37 +39624,6 @@
               </a:rPr>
               <a:t>State of the art </a:t>
             </a:r>
-            <a:br>
-              <a:rPr lang="fr-CH" sz="3600" i="1" dirty="0">
-                <a:solidFill>
-                  <a:schemeClr val="tx2"/>
-                </a:solidFill>
-              </a:rPr>
-            </a:br>
-            <a:r>
-              <a:rPr lang="fr-CH" sz="3600" dirty="0" err="1">
-                <a:solidFill>
-                  <a:schemeClr val="accent1"/>
-                </a:solidFill>
-              </a:rPr>
-              <a:t>Aerofoil</a:t>
-            </a:r>
-            <a:r>
-              <a:rPr lang="fr-CH" sz="3600" dirty="0">
-                <a:solidFill>
-                  <a:schemeClr val="accent1"/>
-                </a:solidFill>
-              </a:rPr>
-              <a:t> </a:t>
-            </a:r>
-            <a:r>
-              <a:rPr lang="fr-CH" sz="3600" dirty="0" err="1">
-                <a:solidFill>
-                  <a:schemeClr val="accent1"/>
-                </a:solidFill>
-              </a:rPr>
-              <a:t>parametrisations</a:t>
-            </a:r>
             <a:endParaRPr lang="fr-CH" sz="3600" dirty="0">
               <a:solidFill>
                 <a:schemeClr val="accent1"/>
@@ -36229,7 +39646,7 @@
         </p:nvSpPr>
         <p:spPr>
           <a:xfrm>
-            <a:off x="8532772" y="5961769"/>
+            <a:off x="112042" y="5953998"/>
             <a:ext cx="4537574" cy="307777"/>
           </a:xfrm>
           <a:prstGeom prst="rect">
@@ -36310,13 +39727,13 @@
           <p:nvPr>
             <p:extLst>
               <p:ext uri="{D42A27DB-BD31-4B8C-83A1-F6EECF244321}">
-                <p14:modId xmlns:p14="http://schemas.microsoft.com/office/powerpoint/2010/main" val="1738099340"/>
+                <p14:modId xmlns:p14="http://schemas.microsoft.com/office/powerpoint/2010/main" val="3356908061"/>
               </p:ext>
             </p:extLst>
           </p:nvPr>
         </p:nvGraphicFramePr>
         <p:xfrm>
-          <a:off x="292100" y="1939956"/>
+          <a:off x="7390081" y="1898642"/>
           <a:ext cx="5207000" cy="4304190"/>
         </p:xfrm>
         <a:graphic>
@@ -36372,7 +39789,7 @@
         </p:nvSpPr>
         <p:spPr>
           <a:xfrm>
-            <a:off x="6097586" y="2862802"/>
+            <a:off x="1326151" y="2879058"/>
             <a:ext cx="3405472" cy="369332"/>
           </a:xfrm>
           <a:prstGeom prst="rect">
@@ -36399,48 +39816,6 @@
               <a:t>parametrisation</a:t>
             </a:r>
             <a:endParaRPr lang="fr-CH" dirty="0"/>
-          </a:p>
-        </p:txBody>
-      </p:sp>
-      <p:sp>
-        <p:nvSpPr>
-          <p:cNvPr id="18" name="TextBox 17">
-            <a:extLst>
-              <a:ext uri="{FF2B5EF4-FFF2-40B4-BE49-F238E27FC236}">
-                <a16:creationId xmlns:a16="http://schemas.microsoft.com/office/drawing/2014/main" id="{02A45440-A36C-448F-9E55-3A9F53F79EF0}"/>
-              </a:ext>
-            </a:extLst>
-          </p:cNvPr>
-          <p:cNvSpPr txBox="1"/>
-          <p:nvPr/>
-        </p:nvSpPr>
-        <p:spPr>
-          <a:xfrm>
-            <a:off x="6097586" y="2088467"/>
-            <a:ext cx="2411403" cy="461665"/>
-          </a:xfrm>
-          <a:prstGeom prst="rect">
-            <a:avLst/>
-          </a:prstGeom>
-          <a:noFill/>
-          <a:ln>
-            <a:noFill/>
-          </a:ln>
-        </p:spPr>
-        <p:txBody>
-          <a:bodyPr wrap="square" rtlCol="0">
-            <a:spAutoFit/>
-          </a:bodyPr>
-          <a:lstStyle/>
-          <a:p>
-            <a:r>
-              <a:rPr lang="fr-CH" sz="2400" dirty="0">
-                <a:solidFill>
-                  <a:schemeClr val="tx2"/>
-                </a:solidFill>
-              </a:rPr>
-              <a:t>Cross-section</a:t>
-            </a:r>
           </a:p>
         </p:txBody>
       </p:sp>
@@ -36491,6 +39866,130 @@
           </a:extLst>
         </p:spPr>
       </p:pic>
+      <p:sp>
+        <p:nvSpPr>
+          <p:cNvPr id="11" name="ZoneTexte 6">
+            <a:extLst>
+              <a:ext uri="{FF2B5EF4-FFF2-40B4-BE49-F238E27FC236}">
+                <a16:creationId xmlns:a16="http://schemas.microsoft.com/office/drawing/2014/main" id="{AAE08AF8-3FB8-49BA-B990-E8F02A12B926}"/>
+              </a:ext>
+            </a:extLst>
+          </p:cNvPr>
+          <p:cNvSpPr txBox="1"/>
+          <p:nvPr/>
+        </p:nvSpPr>
+        <p:spPr>
+          <a:xfrm>
+            <a:off x="1220369" y="1777886"/>
+            <a:ext cx="7990538" cy="535531"/>
+          </a:xfrm>
+          <a:prstGeom prst="rect">
+            <a:avLst/>
+          </a:prstGeom>
+          <a:noFill/>
+        </p:spPr>
+        <p:txBody>
+          <a:bodyPr wrap="square" rtlCol="0">
+            <a:spAutoFit/>
+          </a:bodyPr>
+          <a:lstStyle/>
+          <a:p>
+            <a:pPr>
+              <a:lnSpc>
+                <a:spcPct val="90000"/>
+              </a:lnSpc>
+              <a:spcBef>
+                <a:spcPts val="1000"/>
+              </a:spcBef>
+            </a:pPr>
+            <a:r>
+              <a:rPr lang="fr-FR" sz="3200" b="1" dirty="0">
+                <a:solidFill>
+                  <a:schemeClr val="tx2"/>
+                </a:solidFill>
+                <a:latin typeface="Calibri Light" charset="0"/>
+                <a:ea typeface="Calibri Light" charset="0"/>
+                <a:cs typeface="Calibri Light" charset="0"/>
+              </a:rPr>
+              <a:t>Cross section </a:t>
+            </a:r>
+            <a:r>
+              <a:rPr lang="fr-FR" sz="3200" i="1" dirty="0">
+                <a:solidFill>
+                  <a:schemeClr val="tx2"/>
+                </a:solidFill>
+                <a:latin typeface="Calibri Light" charset="0"/>
+                <a:ea typeface="Calibri Light" charset="0"/>
+                <a:cs typeface="Calibri Light" charset="0"/>
+              </a:rPr>
+              <a:t>(= </a:t>
+            </a:r>
+            <a:r>
+              <a:rPr lang="fr-FR" sz="3200" i="1" dirty="0" err="1">
+                <a:solidFill>
+                  <a:schemeClr val="tx2"/>
+                </a:solidFill>
+                <a:latin typeface="Calibri Light" charset="0"/>
+                <a:ea typeface="Calibri Light" charset="0"/>
+                <a:cs typeface="Calibri Light" charset="0"/>
+              </a:rPr>
+              <a:t>aerofoil</a:t>
+            </a:r>
+            <a:r>
+              <a:rPr lang="fr-FR" sz="3200" i="1" dirty="0">
+                <a:solidFill>
+                  <a:schemeClr val="tx2"/>
+                </a:solidFill>
+                <a:latin typeface="Calibri Light" charset="0"/>
+                <a:ea typeface="Calibri Light" charset="0"/>
+                <a:cs typeface="Calibri Light" charset="0"/>
+              </a:rPr>
+              <a:t> </a:t>
+            </a:r>
+            <a:r>
+              <a:rPr lang="fr-FR" sz="3200" i="1" dirty="0" err="1">
+                <a:solidFill>
+                  <a:schemeClr val="tx2"/>
+                </a:solidFill>
+                <a:latin typeface="Calibri Light" charset="0"/>
+                <a:ea typeface="Calibri Light" charset="0"/>
+                <a:cs typeface="Calibri Light" charset="0"/>
+              </a:rPr>
+              <a:t>shape</a:t>
+            </a:r>
+            <a:r>
+              <a:rPr lang="fr-FR" sz="3200" i="1" dirty="0">
+                <a:solidFill>
+                  <a:schemeClr val="tx2"/>
+                </a:solidFill>
+                <a:latin typeface="Calibri Light" charset="0"/>
+                <a:ea typeface="Calibri Light" charset="0"/>
+                <a:cs typeface="Calibri Light" charset="0"/>
+              </a:rPr>
+              <a:t>) </a:t>
+            </a:r>
+            <a:r>
+              <a:rPr lang="fr-FR" sz="3200" b="1" dirty="0" err="1">
+                <a:solidFill>
+                  <a:schemeClr val="tx2"/>
+                </a:solidFill>
+                <a:latin typeface="Calibri Light" charset="0"/>
+                <a:ea typeface="Calibri Light" charset="0"/>
+                <a:cs typeface="Calibri Light" charset="0"/>
+              </a:rPr>
+              <a:t>parametrisation</a:t>
+            </a:r>
+            <a:endParaRPr lang="fr-FR" sz="3200" b="1" dirty="0">
+              <a:solidFill>
+                <a:schemeClr val="tx2"/>
+              </a:solidFill>
+              <a:latin typeface="Calibri Light" charset="0"/>
+              <a:ea typeface="Calibri Light" charset="0"/>
+              <a:cs typeface="Calibri Light" charset="0"/>
+            </a:endParaRPr>
+          </a:p>
+        </p:txBody>
+      </p:sp>
     </p:spTree>
     <p:extLst>
       <p:ext uri="{BB962C8B-B14F-4D97-AF65-F5344CB8AC3E}">
@@ -37303,20 +40802,12 @@
               <a:buNone/>
             </a:pPr>
             <a:r>
-              <a:rPr lang="en-US" sz="2200" b="1" dirty="0" err="1">
-                <a:latin typeface="Calibri Light" charset="0"/>
-                <a:ea typeface="Calibri Light" charset="0"/>
-                <a:cs typeface="Calibri Light" charset="0"/>
-              </a:rPr>
-              <a:t>Futur</a:t>
-            </a:r>
-            <a:r>
               <a:rPr lang="en-US" sz="2200" b="1" dirty="0">
                 <a:latin typeface="Calibri Light" charset="0"/>
                 <a:ea typeface="Calibri Light" charset="0"/>
                 <a:cs typeface="Calibri Light" charset="0"/>
               </a:rPr>
-              <a:t>:</a:t>
+              <a:t>Future:</a:t>
             </a:r>
           </a:p>
         </p:txBody>
@@ -37388,34 +40879,6 @@
       </p:pic>
       <p:sp>
         <p:nvSpPr>
-          <p:cNvPr id="4" name="Footer Placeholder 3">
-            <a:extLst>
-              <a:ext uri="{FF2B5EF4-FFF2-40B4-BE49-F238E27FC236}">
-                <a16:creationId xmlns:a16="http://schemas.microsoft.com/office/drawing/2014/main" id="{7B26F725-3485-434A-8FE2-F88A79A8391A}"/>
-              </a:ext>
-            </a:extLst>
-          </p:cNvPr>
-          <p:cNvSpPr>
-            <a:spLocks noGrp="1"/>
-          </p:cNvSpPr>
-          <p:nvPr>
-            <p:ph type="ftr" sz="quarter" idx="11"/>
-          </p:nvPr>
-        </p:nvSpPr>
-        <p:spPr/>
-        <p:txBody>
-          <a:bodyPr/>
-          <a:lstStyle/>
-          <a:p>
-            <a:r>
-              <a:rPr lang="fr-CH"/>
-              <a:t>EPFL-STI-LMAM | 04.04.2018</a:t>
-            </a:r>
-          </a:p>
-        </p:txBody>
-      </p:sp>
-      <p:sp>
-        <p:nvSpPr>
           <p:cNvPr id="5" name="Slide Number Placeholder 4">
             <a:extLst>
               <a:ext uri="{FF2B5EF4-FFF2-40B4-BE49-F238E27FC236}">
@@ -37673,6 +41136,39 @@
             <a:r>
               <a:rPr lang="fr-CH" sz="1200" dirty="0"/>
               <a:t> </a:t>
+            </a:r>
+          </a:p>
+        </p:txBody>
+      </p:sp>
+      <p:sp>
+        <p:nvSpPr>
+          <p:cNvPr id="9" name="Espace réservé du pied de page 6">
+            <a:extLst>
+              <a:ext uri="{FF2B5EF4-FFF2-40B4-BE49-F238E27FC236}">
+                <a16:creationId xmlns:a16="http://schemas.microsoft.com/office/drawing/2014/main" id="{FEEF3850-260D-40A8-8AF9-115A432139BE}"/>
+              </a:ext>
+            </a:extLst>
+          </p:cNvPr>
+          <p:cNvSpPr>
+            <a:spLocks noGrp="1"/>
+          </p:cNvSpPr>
+          <p:nvPr>
+            <p:ph type="ftr" sz="quarter" idx="11"/>
+          </p:nvPr>
+        </p:nvSpPr>
+        <p:spPr>
+          <a:xfrm>
+            <a:off x="3686185" y="6470868"/>
+            <a:ext cx="4822804" cy="365125"/>
+          </a:xfrm>
+        </p:spPr>
+        <p:txBody>
+          <a:bodyPr/>
+          <a:lstStyle/>
+          <a:p>
+            <a:r>
+              <a:rPr lang="fr-CH" sz="1100" dirty="0"/>
+              <a:t>EPFL-STI-LIS | 24.10.2018</a:t>
             </a:r>
           </a:p>
         </p:txBody>
